--- a/public/img/2019-06-10-Deep-Learning-01/그림.pptx
+++ b/public/img/2019-06-10-Deep-Learning-01/그림.pptx
@@ -7,6 +7,7 @@
   <p:sldIdLst>
     <p:sldId id="256" r:id="rId2"/>
     <p:sldId id="257" r:id="rId3"/>
+    <p:sldId id="258" r:id="rId4"/>
   </p:sldIdLst>
   <p:sldSz cx="12192000" cy="6858000"/>
   <p:notesSz cx="6858000" cy="9144000"/>
@@ -105,6 +106,11 @@
       </a:defRPr>
     </a:lvl9pPr>
   </p:defaultTextStyle>
+  <p:extLst>
+    <p:ext uri="{EFAFB233-063F-42B5-8137-9DF3F51BA10A}">
+      <p15:sldGuideLst xmlns:p15="http://schemas.microsoft.com/office/powerpoint/2012/main"/>
+    </p:ext>
+  </p:extLst>
 </p:presentation>
 </file>
 
@@ -255,7 +261,7 @@
           <a:p>
             <a:fld id="{4F93CECD-A488-4FCD-B875-80C58E280EBC}" type="datetimeFigureOut">
               <a:rPr lang="ko-KR" altLang="en-US" smtClean="0"/>
-              <a:t>2019-06-10</a:t>
+              <a:t>2019-06-12</a:t>
             </a:fld>
             <a:endParaRPr lang="ko-KR" altLang="en-US"/>
           </a:p>
@@ -453,7 +459,7 @@
           <a:p>
             <a:fld id="{4F93CECD-A488-4FCD-B875-80C58E280EBC}" type="datetimeFigureOut">
               <a:rPr lang="ko-KR" altLang="en-US" smtClean="0"/>
-              <a:t>2019-06-10</a:t>
+              <a:t>2019-06-12</a:t>
             </a:fld>
             <a:endParaRPr lang="ko-KR" altLang="en-US"/>
           </a:p>
@@ -661,7 +667,7 @@
           <a:p>
             <a:fld id="{4F93CECD-A488-4FCD-B875-80C58E280EBC}" type="datetimeFigureOut">
               <a:rPr lang="ko-KR" altLang="en-US" smtClean="0"/>
-              <a:t>2019-06-10</a:t>
+              <a:t>2019-06-12</a:t>
             </a:fld>
             <a:endParaRPr lang="ko-KR" altLang="en-US"/>
           </a:p>
@@ -859,7 +865,7 @@
           <a:p>
             <a:fld id="{4F93CECD-A488-4FCD-B875-80C58E280EBC}" type="datetimeFigureOut">
               <a:rPr lang="ko-KR" altLang="en-US" smtClean="0"/>
-              <a:t>2019-06-10</a:t>
+              <a:t>2019-06-12</a:t>
             </a:fld>
             <a:endParaRPr lang="ko-KR" altLang="en-US"/>
           </a:p>
@@ -1134,7 +1140,7 @@
           <a:p>
             <a:fld id="{4F93CECD-A488-4FCD-B875-80C58E280EBC}" type="datetimeFigureOut">
               <a:rPr lang="ko-KR" altLang="en-US" smtClean="0"/>
-              <a:t>2019-06-10</a:t>
+              <a:t>2019-06-12</a:t>
             </a:fld>
             <a:endParaRPr lang="ko-KR" altLang="en-US"/>
           </a:p>
@@ -1399,7 +1405,7 @@
           <a:p>
             <a:fld id="{4F93CECD-A488-4FCD-B875-80C58E280EBC}" type="datetimeFigureOut">
               <a:rPr lang="ko-KR" altLang="en-US" smtClean="0"/>
-              <a:t>2019-06-10</a:t>
+              <a:t>2019-06-12</a:t>
             </a:fld>
             <a:endParaRPr lang="ko-KR" altLang="en-US"/>
           </a:p>
@@ -1811,7 +1817,7 @@
           <a:p>
             <a:fld id="{4F93CECD-A488-4FCD-B875-80C58E280EBC}" type="datetimeFigureOut">
               <a:rPr lang="ko-KR" altLang="en-US" smtClean="0"/>
-              <a:t>2019-06-10</a:t>
+              <a:t>2019-06-12</a:t>
             </a:fld>
             <a:endParaRPr lang="ko-KR" altLang="en-US"/>
           </a:p>
@@ -1952,7 +1958,7 @@
           <a:p>
             <a:fld id="{4F93CECD-A488-4FCD-B875-80C58E280EBC}" type="datetimeFigureOut">
               <a:rPr lang="ko-KR" altLang="en-US" smtClean="0"/>
-              <a:t>2019-06-10</a:t>
+              <a:t>2019-06-12</a:t>
             </a:fld>
             <a:endParaRPr lang="ko-KR" altLang="en-US"/>
           </a:p>
@@ -2065,7 +2071,7 @@
           <a:p>
             <a:fld id="{4F93CECD-A488-4FCD-B875-80C58E280EBC}" type="datetimeFigureOut">
               <a:rPr lang="ko-KR" altLang="en-US" smtClean="0"/>
-              <a:t>2019-06-10</a:t>
+              <a:t>2019-06-12</a:t>
             </a:fld>
             <a:endParaRPr lang="ko-KR" altLang="en-US"/>
           </a:p>
@@ -2376,7 +2382,7 @@
           <a:p>
             <a:fld id="{4F93CECD-A488-4FCD-B875-80C58E280EBC}" type="datetimeFigureOut">
               <a:rPr lang="ko-KR" altLang="en-US" smtClean="0"/>
-              <a:t>2019-06-10</a:t>
+              <a:t>2019-06-12</a:t>
             </a:fld>
             <a:endParaRPr lang="ko-KR" altLang="en-US"/>
           </a:p>
@@ -2664,7 +2670,7 @@
           <a:p>
             <a:fld id="{4F93CECD-A488-4FCD-B875-80C58E280EBC}" type="datetimeFigureOut">
               <a:rPr lang="ko-KR" altLang="en-US" smtClean="0"/>
-              <a:t>2019-06-10</a:t>
+              <a:t>2019-06-12</a:t>
             </a:fld>
             <a:endParaRPr lang="ko-KR" altLang="en-US"/>
           </a:p>
@@ -2905,7 +2911,7 @@
           <a:p>
             <a:fld id="{4F93CECD-A488-4FCD-B875-80C58E280EBC}" type="datetimeFigureOut">
               <a:rPr lang="ko-KR" altLang="en-US" smtClean="0"/>
-              <a:t>2019-06-10</a:t>
+              <a:t>2019-06-12</a:t>
             </a:fld>
             <a:endParaRPr lang="ko-KR" altLang="en-US"/>
           </a:p>
@@ -4635,8 +4641,8 @@
           </a:p>
         </p:txBody>
       </p:sp>
-      <mc:AlternateContent xmlns:mc="http://schemas.openxmlformats.org/markup-compatibility/2006">
-        <mc:Choice xmlns:a14="http://schemas.microsoft.com/office/drawing/2010/main" Requires="a14">
+      <mc:AlternateContent xmlns:mc="http://schemas.openxmlformats.org/markup-compatibility/2006" xmlns:a14="http://schemas.microsoft.com/office/drawing/2010/main">
+        <mc:Choice Requires="a14">
           <p:sp>
             <p:nvSpPr>
               <p:cNvPr id="5" name="TextBox 4">
@@ -4665,6 +4671,7 @@
               </a:bodyPr>
               <a:lstStyle/>
               <a:p>
+                <a:pPr/>
                 <a14:m>
                   <m:oMathPara xmlns:m="http://schemas.openxmlformats.org/officeDocument/2006/math">
                     <m:oMathParaPr>
@@ -4704,7 +4711,7 @@
             </p:txBody>
           </p:sp>
         </mc:Choice>
-        <mc:Fallback>
+        <mc:Fallback xmlns="">
           <p:sp>
             <p:nvSpPr>
               <p:cNvPr id="5" name="TextBox 4">
@@ -4905,8 +4912,8 @@
           </a:p>
         </p:txBody>
       </p:sp>
-      <mc:AlternateContent xmlns:mc="http://schemas.openxmlformats.org/markup-compatibility/2006">
-        <mc:Choice xmlns:a14="http://schemas.microsoft.com/office/drawing/2010/main" Requires="a14">
+      <mc:AlternateContent xmlns:mc="http://schemas.openxmlformats.org/markup-compatibility/2006" xmlns:a14="http://schemas.microsoft.com/office/drawing/2010/main">
+        <mc:Choice Requires="a14">
           <p:sp>
             <p:nvSpPr>
               <p:cNvPr id="15" name="타원 14">
@@ -4982,7 +4989,7 @@
             </p:txBody>
           </p:sp>
         </mc:Choice>
-        <mc:Fallback>
+        <mc:Fallback xmlns="">
           <p:sp>
             <p:nvSpPr>
               <p:cNvPr id="15" name="타원 14">
@@ -5405,8 +5412,8 @@
           </a:fontRef>
         </p:style>
       </p:cxnSp>
-      <mc:AlternateContent xmlns:mc="http://schemas.openxmlformats.org/markup-compatibility/2006">
-        <mc:Choice xmlns:a14="http://schemas.microsoft.com/office/drawing/2010/main" Requires="a14">
+      <mc:AlternateContent xmlns:mc="http://schemas.openxmlformats.org/markup-compatibility/2006" xmlns:a14="http://schemas.microsoft.com/office/drawing/2010/main">
+        <mc:Choice Requires="a14">
           <p:sp>
             <p:nvSpPr>
               <p:cNvPr id="37" name="TextBox 36">
@@ -5435,6 +5442,7 @@
               </a:bodyPr>
               <a:lstStyle/>
               <a:p>
+                <a:pPr/>
                 <a14:m>
                   <m:oMathPara xmlns:m="http://schemas.openxmlformats.org/officeDocument/2006/math">
                     <m:oMathParaPr>
@@ -5467,7 +5475,7 @@
             </p:txBody>
           </p:sp>
         </mc:Choice>
-        <mc:Fallback>
+        <mc:Fallback xmlns="">
           <p:sp>
             <p:nvSpPr>
               <p:cNvPr id="37" name="TextBox 36">
@@ -5556,8 +5564,8 @@
           </a:fontRef>
         </p:style>
       </p:cxnSp>
-      <mc:AlternateContent xmlns:mc="http://schemas.openxmlformats.org/markup-compatibility/2006">
-        <mc:Choice xmlns:a14="http://schemas.microsoft.com/office/drawing/2010/main" Requires="a14">
+      <mc:AlternateContent xmlns:mc="http://schemas.openxmlformats.org/markup-compatibility/2006" xmlns:a14="http://schemas.microsoft.com/office/drawing/2010/main">
+        <mc:Choice Requires="a14">
           <p:sp>
             <p:nvSpPr>
               <p:cNvPr id="38" name="TextBox 37">
@@ -5586,6 +5594,7 @@
               </a:bodyPr>
               <a:lstStyle/>
               <a:p>
+                <a:pPr/>
                 <a14:m>
                   <m:oMathPara xmlns:m="http://schemas.openxmlformats.org/officeDocument/2006/math">
                     <m:oMathParaPr>
@@ -5625,7 +5634,7 @@
             </p:txBody>
           </p:sp>
         </mc:Choice>
-        <mc:Fallback>
+        <mc:Fallback xmlns="">
           <p:sp>
             <p:nvSpPr>
               <p:cNvPr id="38" name="TextBox 37">
@@ -5670,8 +5679,8 @@
           </p:sp>
         </mc:Fallback>
       </mc:AlternateContent>
-      <mc:AlternateContent xmlns:mc="http://schemas.openxmlformats.org/markup-compatibility/2006">
-        <mc:Choice xmlns:a14="http://schemas.microsoft.com/office/drawing/2010/main" Requires="a14">
+      <mc:AlternateContent xmlns:mc="http://schemas.openxmlformats.org/markup-compatibility/2006" xmlns:a14="http://schemas.microsoft.com/office/drawing/2010/main">
+        <mc:Choice Requires="a14">
           <p:sp>
             <p:nvSpPr>
               <p:cNvPr id="39" name="TextBox 38">
@@ -5700,6 +5709,7 @@
               </a:bodyPr>
               <a:lstStyle/>
               <a:p>
+                <a:pPr/>
                 <a14:m>
                   <m:oMathPara xmlns:m="http://schemas.openxmlformats.org/officeDocument/2006/math">
                     <m:oMathParaPr>
@@ -5739,7 +5749,7 @@
             </p:txBody>
           </p:sp>
         </mc:Choice>
-        <mc:Fallback>
+        <mc:Fallback xmlns="">
           <p:sp>
             <p:nvSpPr>
               <p:cNvPr id="39" name="TextBox 38">
@@ -5784,8 +5794,8 @@
           </p:sp>
         </mc:Fallback>
       </mc:AlternateContent>
-      <mc:AlternateContent xmlns:mc="http://schemas.openxmlformats.org/markup-compatibility/2006">
-        <mc:Choice xmlns:a14="http://schemas.microsoft.com/office/drawing/2010/main" Requires="a14">
+      <mc:AlternateContent xmlns:mc="http://schemas.openxmlformats.org/markup-compatibility/2006" xmlns:a14="http://schemas.microsoft.com/office/drawing/2010/main">
+        <mc:Choice Requires="a14">
           <p:sp>
             <p:nvSpPr>
               <p:cNvPr id="40" name="TextBox 39">
@@ -5814,6 +5824,7 @@
               </a:bodyPr>
               <a:lstStyle/>
               <a:p>
+                <a:pPr/>
                 <a14:m>
                   <m:oMathPara xmlns:m="http://schemas.openxmlformats.org/officeDocument/2006/math">
                     <m:oMathParaPr>
@@ -5853,7 +5864,7 @@
             </p:txBody>
           </p:sp>
         </mc:Choice>
-        <mc:Fallback>
+        <mc:Fallback xmlns="">
           <p:sp>
             <p:nvSpPr>
               <p:cNvPr id="40" name="TextBox 39">
@@ -5880,6 +5891,1736 @@
                 <a:blip r:embed="rId7"/>
                 <a:stretch>
                   <a:fillRect/>
+                </a:stretch>
+              </a:blipFill>
+            </p:spPr>
+            <p:txBody>
+              <a:bodyPr/>
+              <a:lstStyle/>
+              <a:p>
+                <a:r>
+                  <a:rPr lang="ko-KR" altLang="en-US">
+                    <a:noFill/>
+                  </a:rPr>
+                  <a:t> </a:t>
+                </a:r>
+              </a:p>
+            </p:txBody>
+          </p:sp>
+        </mc:Fallback>
+      </mc:AlternateContent>
+      <mc:AlternateContent xmlns:mc="http://schemas.openxmlformats.org/markup-compatibility/2006" xmlns:a14="http://schemas.microsoft.com/office/drawing/2010/main">
+        <mc:Choice Requires="a14">
+          <p:sp>
+            <p:nvSpPr>
+              <p:cNvPr id="41" name="TextBox 40">
+                <a:extLst>
+                  <a:ext uri="{FF2B5EF4-FFF2-40B4-BE49-F238E27FC236}">
+                    <a16:creationId xmlns:a16="http://schemas.microsoft.com/office/drawing/2014/main" id="{889ED010-C938-4D07-95CD-C3DD5D57B461}"/>
+                  </a:ext>
+                </a:extLst>
+              </p:cNvPr>
+              <p:cNvSpPr txBox="1"/>
+              <p:nvPr/>
+            </p:nvSpPr>
+            <p:spPr>
+              <a:xfrm>
+                <a:off x="4374875" y="1871655"/>
+                <a:ext cx="530658" cy="369332"/>
+              </a:xfrm>
+              <a:prstGeom prst="rect">
+                <a:avLst/>
+              </a:prstGeom>
+              <a:noFill/>
+            </p:spPr>
+            <p:txBody>
+              <a:bodyPr wrap="none" rtlCol="0">
+                <a:spAutoFit/>
+              </a:bodyPr>
+              <a:lstStyle/>
+              <a:p>
+                <a:pPr/>
+                <a14:m>
+                  <m:oMathPara xmlns:m="http://schemas.openxmlformats.org/officeDocument/2006/math">
+                    <m:oMathParaPr>
+                      <m:jc m:val="centerGroup"/>
+                    </m:oMathParaPr>
+                    <m:oMath xmlns:m="http://schemas.openxmlformats.org/officeDocument/2006/math">
+                      <m:sSub>
+                        <m:sSubPr>
+                          <m:ctrlPr>
+                            <a:rPr lang="en-US" altLang="ko-KR" b="0" i="1" smtClean="0">
+                              <a:latin typeface="Cambria Math" panose="02040503050406030204" pitchFamily="18" charset="0"/>
+                            </a:rPr>
+                          </m:ctrlPr>
+                        </m:sSubPr>
+                        <m:e>
+                          <m:r>
+                            <a:rPr lang="en-US" altLang="ko-KR" b="0" i="1" smtClean="0">
+                              <a:latin typeface="Cambria Math" panose="02040503050406030204" pitchFamily="18" charset="0"/>
+                            </a:rPr>
+                            <m:t>𝑤</m:t>
+                          </m:r>
+                        </m:e>
+                        <m:sub>
+                          <m:r>
+                            <a:rPr lang="en-US" altLang="ko-KR" b="0" i="1" smtClean="0">
+                              <a:latin typeface="Cambria Math" panose="02040503050406030204" pitchFamily="18" charset="0"/>
+                            </a:rPr>
+                            <m:t>1</m:t>
+                          </m:r>
+                        </m:sub>
+                      </m:sSub>
+                    </m:oMath>
+                  </m:oMathPara>
+                </a14:m>
+                <a:endParaRPr lang="ko-KR" altLang="en-US" dirty="0"/>
+              </a:p>
+            </p:txBody>
+          </p:sp>
+        </mc:Choice>
+        <mc:Fallback xmlns="">
+          <p:sp>
+            <p:nvSpPr>
+              <p:cNvPr id="41" name="TextBox 40">
+                <a:extLst>
+                  <a:ext uri="{FF2B5EF4-FFF2-40B4-BE49-F238E27FC236}">
+                    <a16:creationId xmlns:a16="http://schemas.microsoft.com/office/drawing/2014/main" id="{889ED010-C938-4D07-95CD-C3DD5D57B461}"/>
+                  </a:ext>
+                </a:extLst>
+              </p:cNvPr>
+              <p:cNvSpPr txBox="1">
+                <a:spLocks noRot="1" noChangeAspect="1" noMove="1" noResize="1" noEditPoints="1" noAdjustHandles="1" noChangeArrowheads="1" noChangeShapeType="1" noTextEdit="1"/>
+              </p:cNvSpPr>
+              <p:nvPr/>
+            </p:nvSpPr>
+            <p:spPr>
+              <a:xfrm>
+                <a:off x="4374875" y="1871655"/>
+                <a:ext cx="530658" cy="369332"/>
+              </a:xfrm>
+              <a:prstGeom prst="rect">
+                <a:avLst/>
+              </a:prstGeom>
+              <a:blipFill>
+                <a:blip r:embed="rId8"/>
+                <a:stretch>
+                  <a:fillRect b="-1639"/>
+                </a:stretch>
+              </a:blipFill>
+            </p:spPr>
+            <p:txBody>
+              <a:bodyPr/>
+              <a:lstStyle/>
+              <a:p>
+                <a:r>
+                  <a:rPr lang="ko-KR" altLang="en-US">
+                    <a:noFill/>
+                  </a:rPr>
+                  <a:t> </a:t>
+                </a:r>
+              </a:p>
+            </p:txBody>
+          </p:sp>
+        </mc:Fallback>
+      </mc:AlternateContent>
+      <mc:AlternateContent xmlns:mc="http://schemas.openxmlformats.org/markup-compatibility/2006" xmlns:a14="http://schemas.microsoft.com/office/drawing/2010/main">
+        <mc:Choice Requires="a14">
+          <p:sp>
+            <p:nvSpPr>
+              <p:cNvPr id="42" name="TextBox 41">
+                <a:extLst>
+                  <a:ext uri="{FF2B5EF4-FFF2-40B4-BE49-F238E27FC236}">
+                    <a16:creationId xmlns:a16="http://schemas.microsoft.com/office/drawing/2014/main" id="{F430D208-F4A7-40E6-BE7B-CDF0704ACF9D}"/>
+                  </a:ext>
+                </a:extLst>
+              </p:cNvPr>
+              <p:cNvSpPr txBox="1"/>
+              <p:nvPr/>
+            </p:nvSpPr>
+            <p:spPr>
+              <a:xfrm>
+                <a:off x="4374872" y="2555063"/>
+                <a:ext cx="535981" cy="369332"/>
+              </a:xfrm>
+              <a:prstGeom prst="rect">
+                <a:avLst/>
+              </a:prstGeom>
+              <a:noFill/>
+            </p:spPr>
+            <p:txBody>
+              <a:bodyPr wrap="none" rtlCol="0">
+                <a:spAutoFit/>
+              </a:bodyPr>
+              <a:lstStyle/>
+              <a:p>
+                <a:pPr/>
+                <a14:m>
+                  <m:oMathPara xmlns:m="http://schemas.openxmlformats.org/officeDocument/2006/math">
+                    <m:oMathParaPr>
+                      <m:jc m:val="centerGroup"/>
+                    </m:oMathParaPr>
+                    <m:oMath xmlns:m="http://schemas.openxmlformats.org/officeDocument/2006/math">
+                      <m:sSub>
+                        <m:sSubPr>
+                          <m:ctrlPr>
+                            <a:rPr lang="en-US" altLang="ko-KR" b="0" i="1" smtClean="0">
+                              <a:latin typeface="Cambria Math" panose="02040503050406030204" pitchFamily="18" charset="0"/>
+                            </a:rPr>
+                          </m:ctrlPr>
+                        </m:sSubPr>
+                        <m:e>
+                          <m:r>
+                            <a:rPr lang="en-US" altLang="ko-KR" b="0" i="1" smtClean="0">
+                              <a:latin typeface="Cambria Math" panose="02040503050406030204" pitchFamily="18" charset="0"/>
+                            </a:rPr>
+                            <m:t>𝑤</m:t>
+                          </m:r>
+                        </m:e>
+                        <m:sub>
+                          <m:r>
+                            <a:rPr lang="en-US" altLang="ko-KR" b="0" i="1" smtClean="0">
+                              <a:latin typeface="Cambria Math" panose="02040503050406030204" pitchFamily="18" charset="0"/>
+                            </a:rPr>
+                            <m:t>2</m:t>
+                          </m:r>
+                        </m:sub>
+                      </m:sSub>
+                    </m:oMath>
+                  </m:oMathPara>
+                </a14:m>
+                <a:endParaRPr lang="ko-KR" altLang="en-US" dirty="0"/>
+              </a:p>
+            </p:txBody>
+          </p:sp>
+        </mc:Choice>
+        <mc:Fallback xmlns="">
+          <p:sp>
+            <p:nvSpPr>
+              <p:cNvPr id="42" name="TextBox 41">
+                <a:extLst>
+                  <a:ext uri="{FF2B5EF4-FFF2-40B4-BE49-F238E27FC236}">
+                    <a16:creationId xmlns:a16="http://schemas.microsoft.com/office/drawing/2014/main" id="{F430D208-F4A7-40E6-BE7B-CDF0704ACF9D}"/>
+                  </a:ext>
+                </a:extLst>
+              </p:cNvPr>
+              <p:cNvSpPr txBox="1">
+                <a:spLocks noRot="1" noChangeAspect="1" noMove="1" noResize="1" noEditPoints="1" noAdjustHandles="1" noChangeArrowheads="1" noChangeShapeType="1" noTextEdit="1"/>
+              </p:cNvSpPr>
+              <p:nvPr/>
+            </p:nvSpPr>
+            <p:spPr>
+              <a:xfrm>
+                <a:off x="4374872" y="2555063"/>
+                <a:ext cx="535981" cy="369332"/>
+              </a:xfrm>
+              <a:prstGeom prst="rect">
+                <a:avLst/>
+              </a:prstGeom>
+              <a:blipFill>
+                <a:blip r:embed="rId9"/>
+                <a:stretch>
+                  <a:fillRect b="-1639"/>
+                </a:stretch>
+              </a:blipFill>
+            </p:spPr>
+            <p:txBody>
+              <a:bodyPr/>
+              <a:lstStyle/>
+              <a:p>
+                <a:r>
+                  <a:rPr lang="ko-KR" altLang="en-US">
+                    <a:noFill/>
+                  </a:rPr>
+                  <a:t> </a:t>
+                </a:r>
+              </a:p>
+            </p:txBody>
+          </p:sp>
+        </mc:Fallback>
+      </mc:AlternateContent>
+      <mc:AlternateContent xmlns:mc="http://schemas.openxmlformats.org/markup-compatibility/2006" xmlns:a14="http://schemas.microsoft.com/office/drawing/2010/main">
+        <mc:Choice Requires="a14">
+          <p:sp>
+            <p:nvSpPr>
+              <p:cNvPr id="43" name="TextBox 42">
+                <a:extLst>
+                  <a:ext uri="{FF2B5EF4-FFF2-40B4-BE49-F238E27FC236}">
+                    <a16:creationId xmlns:a16="http://schemas.microsoft.com/office/drawing/2014/main" id="{A1D4ACA5-77C9-419B-96D9-F1F25DA28F90}"/>
+                  </a:ext>
+                </a:extLst>
+              </p:cNvPr>
+              <p:cNvSpPr txBox="1"/>
+              <p:nvPr/>
+            </p:nvSpPr>
+            <p:spPr>
+              <a:xfrm>
+                <a:off x="4374873" y="3171851"/>
+                <a:ext cx="535981" cy="369332"/>
+              </a:xfrm>
+              <a:prstGeom prst="rect">
+                <a:avLst/>
+              </a:prstGeom>
+              <a:noFill/>
+            </p:spPr>
+            <p:txBody>
+              <a:bodyPr wrap="none" rtlCol="0">
+                <a:spAutoFit/>
+              </a:bodyPr>
+              <a:lstStyle/>
+              <a:p>
+                <a:pPr/>
+                <a14:m>
+                  <m:oMathPara xmlns:m="http://schemas.openxmlformats.org/officeDocument/2006/math">
+                    <m:oMathParaPr>
+                      <m:jc m:val="centerGroup"/>
+                    </m:oMathParaPr>
+                    <m:oMath xmlns:m="http://schemas.openxmlformats.org/officeDocument/2006/math">
+                      <m:sSub>
+                        <m:sSubPr>
+                          <m:ctrlPr>
+                            <a:rPr lang="en-US" altLang="ko-KR" b="0" i="1" smtClean="0">
+                              <a:latin typeface="Cambria Math" panose="02040503050406030204" pitchFamily="18" charset="0"/>
+                            </a:rPr>
+                          </m:ctrlPr>
+                        </m:sSubPr>
+                        <m:e>
+                          <m:r>
+                            <a:rPr lang="en-US" altLang="ko-KR" b="0" i="1" smtClean="0">
+                              <a:latin typeface="Cambria Math" panose="02040503050406030204" pitchFamily="18" charset="0"/>
+                            </a:rPr>
+                            <m:t>𝑤</m:t>
+                          </m:r>
+                        </m:e>
+                        <m:sub>
+                          <m:r>
+                            <a:rPr lang="en-US" altLang="ko-KR" b="0" i="1" smtClean="0">
+                              <a:latin typeface="Cambria Math" panose="02040503050406030204" pitchFamily="18" charset="0"/>
+                            </a:rPr>
+                            <m:t>3</m:t>
+                          </m:r>
+                        </m:sub>
+                      </m:sSub>
+                    </m:oMath>
+                  </m:oMathPara>
+                </a14:m>
+                <a:endParaRPr lang="ko-KR" altLang="en-US" dirty="0"/>
+              </a:p>
+            </p:txBody>
+          </p:sp>
+        </mc:Choice>
+        <mc:Fallback xmlns="">
+          <p:sp>
+            <p:nvSpPr>
+              <p:cNvPr id="43" name="TextBox 42">
+                <a:extLst>
+                  <a:ext uri="{FF2B5EF4-FFF2-40B4-BE49-F238E27FC236}">
+                    <a16:creationId xmlns:a16="http://schemas.microsoft.com/office/drawing/2014/main" id="{A1D4ACA5-77C9-419B-96D9-F1F25DA28F90}"/>
+                  </a:ext>
+                </a:extLst>
+              </p:cNvPr>
+              <p:cNvSpPr txBox="1">
+                <a:spLocks noRot="1" noChangeAspect="1" noMove="1" noResize="1" noEditPoints="1" noAdjustHandles="1" noChangeArrowheads="1" noChangeShapeType="1" noTextEdit="1"/>
+              </p:cNvSpPr>
+              <p:nvPr/>
+            </p:nvSpPr>
+            <p:spPr>
+              <a:xfrm>
+                <a:off x="4374873" y="3171851"/>
+                <a:ext cx="535981" cy="369332"/>
+              </a:xfrm>
+              <a:prstGeom prst="rect">
+                <a:avLst/>
+              </a:prstGeom>
+              <a:blipFill>
+                <a:blip r:embed="rId10"/>
+                <a:stretch>
+                  <a:fillRect b="-1639"/>
+                </a:stretch>
+              </a:blipFill>
+            </p:spPr>
+            <p:txBody>
+              <a:bodyPr/>
+              <a:lstStyle/>
+              <a:p>
+                <a:r>
+                  <a:rPr lang="ko-KR" altLang="en-US">
+                    <a:noFill/>
+                  </a:rPr>
+                  <a:t> </a:t>
+                </a:r>
+              </a:p>
+            </p:txBody>
+          </p:sp>
+        </mc:Fallback>
+      </mc:AlternateContent>
+      <mc:AlternateContent xmlns:mc="http://schemas.openxmlformats.org/markup-compatibility/2006" xmlns:a14="http://schemas.microsoft.com/office/drawing/2010/main">
+        <mc:Choice Requires="a14">
+          <p:sp>
+            <p:nvSpPr>
+              <p:cNvPr id="44" name="TextBox 43">
+                <a:extLst>
+                  <a:ext uri="{FF2B5EF4-FFF2-40B4-BE49-F238E27FC236}">
+                    <a16:creationId xmlns:a16="http://schemas.microsoft.com/office/drawing/2014/main" id="{D741138C-D037-45C4-B473-BD9521094BD8}"/>
+                  </a:ext>
+                </a:extLst>
+              </p:cNvPr>
+              <p:cNvSpPr txBox="1"/>
+              <p:nvPr/>
+            </p:nvSpPr>
+            <p:spPr>
+              <a:xfrm>
+                <a:off x="4374872" y="4955593"/>
+                <a:ext cx="543097" cy="369332"/>
+              </a:xfrm>
+              <a:prstGeom prst="rect">
+                <a:avLst/>
+              </a:prstGeom>
+              <a:noFill/>
+            </p:spPr>
+            <p:txBody>
+              <a:bodyPr wrap="none" rtlCol="0">
+                <a:spAutoFit/>
+              </a:bodyPr>
+              <a:lstStyle/>
+              <a:p>
+                <a:pPr/>
+                <a14:m>
+                  <m:oMathPara xmlns:m="http://schemas.openxmlformats.org/officeDocument/2006/math">
+                    <m:oMathParaPr>
+                      <m:jc m:val="centerGroup"/>
+                    </m:oMathParaPr>
+                    <m:oMath xmlns:m="http://schemas.openxmlformats.org/officeDocument/2006/math">
+                      <m:sSub>
+                        <m:sSubPr>
+                          <m:ctrlPr>
+                            <a:rPr lang="en-US" altLang="ko-KR" b="0" i="1" smtClean="0">
+                              <a:latin typeface="Cambria Math" panose="02040503050406030204" pitchFamily="18" charset="0"/>
+                            </a:rPr>
+                          </m:ctrlPr>
+                        </m:sSubPr>
+                        <m:e>
+                          <m:r>
+                            <a:rPr lang="en-US" altLang="ko-KR" b="0" i="1" smtClean="0">
+                              <a:latin typeface="Cambria Math" panose="02040503050406030204" pitchFamily="18" charset="0"/>
+                            </a:rPr>
+                            <m:t>𝑤</m:t>
+                          </m:r>
+                        </m:e>
+                        <m:sub>
+                          <m:r>
+                            <a:rPr lang="en-US" altLang="ko-KR" b="0" i="1" smtClean="0">
+                              <a:latin typeface="Cambria Math" panose="02040503050406030204" pitchFamily="18" charset="0"/>
+                            </a:rPr>
+                            <m:t>𝑛</m:t>
+                          </m:r>
+                        </m:sub>
+                      </m:sSub>
+                    </m:oMath>
+                  </m:oMathPara>
+                </a14:m>
+                <a:endParaRPr lang="ko-KR" altLang="en-US" dirty="0"/>
+              </a:p>
+            </p:txBody>
+          </p:sp>
+        </mc:Choice>
+        <mc:Fallback xmlns="">
+          <p:sp>
+            <p:nvSpPr>
+              <p:cNvPr id="44" name="TextBox 43">
+                <a:extLst>
+                  <a:ext uri="{FF2B5EF4-FFF2-40B4-BE49-F238E27FC236}">
+                    <a16:creationId xmlns:a16="http://schemas.microsoft.com/office/drawing/2014/main" id="{D741138C-D037-45C4-B473-BD9521094BD8}"/>
+                  </a:ext>
+                </a:extLst>
+              </p:cNvPr>
+              <p:cNvSpPr txBox="1">
+                <a:spLocks noRot="1" noChangeAspect="1" noMove="1" noResize="1" noEditPoints="1" noAdjustHandles="1" noChangeArrowheads="1" noChangeShapeType="1" noTextEdit="1"/>
+              </p:cNvSpPr>
+              <p:nvPr/>
+            </p:nvSpPr>
+            <p:spPr>
+              <a:xfrm>
+                <a:off x="4374872" y="4955593"/>
+                <a:ext cx="543097" cy="369332"/>
+              </a:xfrm>
+              <a:prstGeom prst="rect">
+                <a:avLst/>
+              </a:prstGeom>
+              <a:blipFill>
+                <a:blip r:embed="rId11"/>
+                <a:stretch>
+                  <a:fillRect/>
+                </a:stretch>
+              </a:blipFill>
+            </p:spPr>
+            <p:txBody>
+              <a:bodyPr/>
+              <a:lstStyle/>
+              <a:p>
+                <a:r>
+                  <a:rPr lang="ko-KR" altLang="en-US">
+                    <a:noFill/>
+                  </a:rPr>
+                  <a:t> </a:t>
+                </a:r>
+              </a:p>
+            </p:txBody>
+          </p:sp>
+        </mc:Fallback>
+      </mc:AlternateContent>
+      <mc:AlternateContent xmlns:mc="http://schemas.openxmlformats.org/markup-compatibility/2006" xmlns:a14="http://schemas.microsoft.com/office/drawing/2010/main">
+        <mc:Choice Requires="a14">
+          <p:sp>
+            <p:nvSpPr>
+              <p:cNvPr id="45" name="TextBox 44">
+                <a:extLst>
+                  <a:ext uri="{FF2B5EF4-FFF2-40B4-BE49-F238E27FC236}">
+                    <a16:creationId xmlns:a16="http://schemas.microsoft.com/office/drawing/2014/main" id="{60BE059A-BA00-4784-9D35-786BA517EDAD}"/>
+                  </a:ext>
+                </a:extLst>
+              </p:cNvPr>
+              <p:cNvSpPr txBox="1"/>
+              <p:nvPr/>
+            </p:nvSpPr>
+            <p:spPr>
+              <a:xfrm>
+                <a:off x="6615484" y="5858324"/>
+                <a:ext cx="396519" cy="369332"/>
+              </a:xfrm>
+              <a:prstGeom prst="rect">
+                <a:avLst/>
+              </a:prstGeom>
+              <a:noFill/>
+            </p:spPr>
+            <p:txBody>
+              <a:bodyPr wrap="none" rtlCol="0">
+                <a:spAutoFit/>
+              </a:bodyPr>
+              <a:lstStyle/>
+              <a:p>
+                <a:pPr/>
+                <a14:m>
+                  <m:oMathPara xmlns:m="http://schemas.openxmlformats.org/officeDocument/2006/math">
+                    <m:oMathParaPr>
+                      <m:jc m:val="centerGroup"/>
+                    </m:oMathParaPr>
+                    <m:oMath xmlns:m="http://schemas.openxmlformats.org/officeDocument/2006/math">
+                      <m:r>
+                        <a:rPr lang="en-US" altLang="ko-KR" b="0" i="1" smtClean="0">
+                          <a:latin typeface="Cambria Math" panose="02040503050406030204" pitchFamily="18" charset="0"/>
+                        </a:rPr>
+                        <m:t>𝑏</m:t>
+                      </m:r>
+                    </m:oMath>
+                  </m:oMathPara>
+                </a14:m>
+                <a:endParaRPr lang="ko-KR" altLang="en-US" dirty="0"/>
+              </a:p>
+            </p:txBody>
+          </p:sp>
+        </mc:Choice>
+        <mc:Fallback xmlns="">
+          <p:sp>
+            <p:nvSpPr>
+              <p:cNvPr id="45" name="TextBox 44">
+                <a:extLst>
+                  <a:ext uri="{FF2B5EF4-FFF2-40B4-BE49-F238E27FC236}">
+                    <a16:creationId xmlns:a16="http://schemas.microsoft.com/office/drawing/2014/main" id="{60BE059A-BA00-4784-9D35-786BA517EDAD}"/>
+                  </a:ext>
+                </a:extLst>
+              </p:cNvPr>
+              <p:cNvSpPr txBox="1">
+                <a:spLocks noRot="1" noChangeAspect="1" noMove="1" noResize="1" noEditPoints="1" noAdjustHandles="1" noChangeArrowheads="1" noChangeShapeType="1" noTextEdit="1"/>
+              </p:cNvSpPr>
+              <p:nvPr/>
+            </p:nvSpPr>
+            <p:spPr>
+              <a:xfrm>
+                <a:off x="6615484" y="5858324"/>
+                <a:ext cx="396519" cy="369332"/>
+              </a:xfrm>
+              <a:prstGeom prst="rect">
+                <a:avLst/>
+              </a:prstGeom>
+              <a:blipFill>
+                <a:blip r:embed="rId12"/>
+                <a:stretch>
+                  <a:fillRect/>
+                </a:stretch>
+              </a:blipFill>
+            </p:spPr>
+            <p:txBody>
+              <a:bodyPr/>
+              <a:lstStyle/>
+              <a:p>
+                <a:r>
+                  <a:rPr lang="ko-KR" altLang="en-US">
+                    <a:noFill/>
+                  </a:rPr>
+                  <a:t> </a:t>
+                </a:r>
+              </a:p>
+            </p:txBody>
+          </p:sp>
+        </mc:Fallback>
+      </mc:AlternateContent>
+      <mc:AlternateContent xmlns:mc="http://schemas.openxmlformats.org/markup-compatibility/2006" xmlns:a14="http://schemas.microsoft.com/office/drawing/2010/main">
+        <mc:Choice Requires="a14">
+          <p:sp>
+            <p:nvSpPr>
+              <p:cNvPr id="46" name="TextBox 45">
+                <a:extLst>
+                  <a:ext uri="{FF2B5EF4-FFF2-40B4-BE49-F238E27FC236}">
+                    <a16:creationId xmlns:a16="http://schemas.microsoft.com/office/drawing/2014/main" id="{1ECCE3AA-DD17-4FA1-9CD9-C7336EEBB2EC}"/>
+                  </a:ext>
+                </a:extLst>
+              </p:cNvPr>
+              <p:cNvSpPr txBox="1"/>
+              <p:nvPr/>
+            </p:nvSpPr>
+            <p:spPr>
+              <a:xfrm>
+                <a:off x="6615484" y="4590092"/>
+                <a:ext cx="396519" cy="369332"/>
+              </a:xfrm>
+              <a:prstGeom prst="rect">
+                <a:avLst/>
+              </a:prstGeom>
+              <a:noFill/>
+            </p:spPr>
+            <p:txBody>
+              <a:bodyPr wrap="none" rtlCol="0">
+                <a:spAutoFit/>
+              </a:bodyPr>
+              <a:lstStyle/>
+              <a:p>
+                <a:pPr/>
+                <a14:m>
+                  <m:oMathPara xmlns:m="http://schemas.openxmlformats.org/officeDocument/2006/math">
+                    <m:oMathParaPr>
+                      <m:jc m:val="centerGroup"/>
+                    </m:oMathParaPr>
+                    <m:oMath xmlns:m="http://schemas.openxmlformats.org/officeDocument/2006/math">
+                      <m:r>
+                        <a:rPr lang="en-US" altLang="ko-KR" b="0" i="1" smtClean="0">
+                          <a:latin typeface="Cambria Math" panose="02040503050406030204" pitchFamily="18" charset="0"/>
+                        </a:rPr>
+                        <m:t>1</m:t>
+                      </m:r>
+                    </m:oMath>
+                  </m:oMathPara>
+                </a14:m>
+                <a:endParaRPr lang="ko-KR" altLang="en-US" dirty="0"/>
+              </a:p>
+            </p:txBody>
+          </p:sp>
+        </mc:Choice>
+        <mc:Fallback xmlns="">
+          <p:sp>
+            <p:nvSpPr>
+              <p:cNvPr id="46" name="TextBox 45">
+                <a:extLst>
+                  <a:ext uri="{FF2B5EF4-FFF2-40B4-BE49-F238E27FC236}">
+                    <a16:creationId xmlns:a16="http://schemas.microsoft.com/office/drawing/2014/main" id="{1ECCE3AA-DD17-4FA1-9CD9-C7336EEBB2EC}"/>
+                  </a:ext>
+                </a:extLst>
+              </p:cNvPr>
+              <p:cNvSpPr txBox="1">
+                <a:spLocks noRot="1" noChangeAspect="1" noMove="1" noResize="1" noEditPoints="1" noAdjustHandles="1" noChangeArrowheads="1" noChangeShapeType="1" noTextEdit="1"/>
+              </p:cNvSpPr>
+              <p:nvPr/>
+            </p:nvSpPr>
+            <p:spPr>
+              <a:xfrm>
+                <a:off x="6615484" y="4590092"/>
+                <a:ext cx="396519" cy="369332"/>
+              </a:xfrm>
+              <a:prstGeom prst="rect">
+                <a:avLst/>
+              </a:prstGeom>
+              <a:blipFill>
+                <a:blip r:embed="rId13"/>
+                <a:stretch>
+                  <a:fillRect/>
+                </a:stretch>
+              </a:blipFill>
+            </p:spPr>
+            <p:txBody>
+              <a:bodyPr/>
+              <a:lstStyle/>
+              <a:p>
+                <a:r>
+                  <a:rPr lang="ko-KR" altLang="en-US">
+                    <a:noFill/>
+                  </a:rPr>
+                  <a:t> </a:t>
+                </a:r>
+              </a:p>
+            </p:txBody>
+          </p:sp>
+        </mc:Fallback>
+      </mc:AlternateContent>
+      <mc:AlternateContent xmlns:mc="http://schemas.openxmlformats.org/markup-compatibility/2006" xmlns:a14="http://schemas.microsoft.com/office/drawing/2010/main">
+        <mc:Choice Requires="a14">
+          <p:sp>
+            <p:nvSpPr>
+              <p:cNvPr id="47" name="TextBox 46">
+                <a:extLst>
+                  <a:ext uri="{FF2B5EF4-FFF2-40B4-BE49-F238E27FC236}">
+                    <a16:creationId xmlns:a16="http://schemas.microsoft.com/office/drawing/2014/main" id="{A5DA2A3D-796E-48C1-9C06-45A738F7D944}"/>
+                  </a:ext>
+                </a:extLst>
+              </p:cNvPr>
+              <p:cNvSpPr txBox="1"/>
+              <p:nvPr/>
+            </p:nvSpPr>
+            <p:spPr>
+              <a:xfrm>
+                <a:off x="7132319" y="3014812"/>
+                <a:ext cx="669542" cy="369332"/>
+              </a:xfrm>
+              <a:prstGeom prst="rect">
+                <a:avLst/>
+              </a:prstGeom>
+              <a:noFill/>
+            </p:spPr>
+            <p:txBody>
+              <a:bodyPr wrap="none" rtlCol="0">
+                <a:spAutoFit/>
+              </a:bodyPr>
+              <a:lstStyle/>
+              <a:p>
+                <a:pPr/>
+                <a14:m>
+                  <m:oMathPara xmlns:m="http://schemas.openxmlformats.org/officeDocument/2006/math">
+                    <m:oMathParaPr>
+                      <m:jc m:val="centerGroup"/>
+                    </m:oMathParaPr>
+                    <m:oMath xmlns:m="http://schemas.openxmlformats.org/officeDocument/2006/math">
+                      <m:r>
+                        <a:rPr lang="en-US" altLang="ko-KR" b="0" i="1" smtClean="0">
+                          <a:latin typeface="Cambria Math" panose="02040503050406030204" pitchFamily="18" charset="0"/>
+                        </a:rPr>
+                        <m:t>𝑔</m:t>
+                      </m:r>
+                      <m:r>
+                        <a:rPr lang="en-US" altLang="ko-KR" b="0" i="1" smtClean="0">
+                          <a:latin typeface="Cambria Math" panose="02040503050406030204" pitchFamily="18" charset="0"/>
+                        </a:rPr>
+                        <m:t>(⋅)</m:t>
+                      </m:r>
+                    </m:oMath>
+                  </m:oMathPara>
+                </a14:m>
+                <a:endParaRPr lang="ko-KR" altLang="en-US" dirty="0"/>
+              </a:p>
+            </p:txBody>
+          </p:sp>
+        </mc:Choice>
+        <mc:Fallback xmlns="">
+          <p:sp>
+            <p:nvSpPr>
+              <p:cNvPr id="47" name="TextBox 46">
+                <a:extLst>
+                  <a:ext uri="{FF2B5EF4-FFF2-40B4-BE49-F238E27FC236}">
+                    <a16:creationId xmlns:a16="http://schemas.microsoft.com/office/drawing/2014/main" id="{A5DA2A3D-796E-48C1-9C06-45A738F7D944}"/>
+                  </a:ext>
+                </a:extLst>
+              </p:cNvPr>
+              <p:cNvSpPr txBox="1">
+                <a:spLocks noRot="1" noChangeAspect="1" noMove="1" noResize="1" noEditPoints="1" noAdjustHandles="1" noChangeArrowheads="1" noChangeShapeType="1" noTextEdit="1"/>
+              </p:cNvSpPr>
+              <p:nvPr/>
+            </p:nvSpPr>
+            <p:spPr>
+              <a:xfrm>
+                <a:off x="7132319" y="3014812"/>
+                <a:ext cx="669542" cy="369332"/>
+              </a:xfrm>
+              <a:prstGeom prst="rect">
+                <a:avLst/>
+              </a:prstGeom>
+              <a:blipFill>
+                <a:blip r:embed="rId14"/>
+                <a:stretch>
+                  <a:fillRect b="-16667"/>
+                </a:stretch>
+              </a:blipFill>
+            </p:spPr>
+            <p:txBody>
+              <a:bodyPr/>
+              <a:lstStyle/>
+              <a:p>
+                <a:r>
+                  <a:rPr lang="ko-KR" altLang="en-US">
+                    <a:noFill/>
+                  </a:rPr>
+                  <a:t> </a:t>
+                </a:r>
+              </a:p>
+            </p:txBody>
+          </p:sp>
+        </mc:Fallback>
+      </mc:AlternateContent>
+    </p:spTree>
+    <p:extLst>
+      <p:ext uri="{BB962C8B-B14F-4D97-AF65-F5344CB8AC3E}">
+        <p14:creationId xmlns:p14="http://schemas.microsoft.com/office/powerpoint/2010/main" val="2715189709"/>
+      </p:ext>
+    </p:extLst>
+  </p:cSld>
+  <p:clrMapOvr>
+    <a:masterClrMapping/>
+  </p:clrMapOvr>
+</p:sld>
+</file>
+
+<file path=ppt/slides/slide3.xml><?xml version="1.0" encoding="utf-8"?>
+<p:sld xmlns:a="http://schemas.openxmlformats.org/drawingml/2006/main" xmlns:r="http://schemas.openxmlformats.org/officeDocument/2006/relationships" xmlns:p="http://schemas.openxmlformats.org/presentationml/2006/main">
+  <p:cSld>
+    <p:spTree>
+      <p:nvGrpSpPr>
+        <p:cNvPr id="1" name=""/>
+        <p:cNvGrpSpPr/>
+        <p:nvPr/>
+      </p:nvGrpSpPr>
+      <p:grpSpPr>
+        <a:xfrm>
+          <a:off x="0" y="0"/>
+          <a:ext cx="0" cy="0"/>
+          <a:chOff x="0" y="0"/>
+          <a:chExt cx="0" cy="0"/>
+        </a:xfrm>
+      </p:grpSpPr>
+      <p:sp>
+        <p:nvSpPr>
+          <p:cNvPr id="4" name="타원 3">
+            <a:extLst>
+              <a:ext uri="{FF2B5EF4-FFF2-40B4-BE49-F238E27FC236}">
+                <a16:creationId xmlns:a16="http://schemas.microsoft.com/office/drawing/2014/main" id="{2B4FB795-2C62-4CA4-B90D-CD5D2EFF7FC8}"/>
+              </a:ext>
+            </a:extLst>
+          </p:cNvPr>
+          <p:cNvSpPr/>
+          <p:nvPr/>
+        </p:nvSpPr>
+        <p:spPr>
+          <a:xfrm>
+            <a:off x="3450865" y="1470992"/>
+            <a:ext cx="628153" cy="628153"/>
+          </a:xfrm>
+          <a:prstGeom prst="ellipse">
+            <a:avLst/>
+          </a:prstGeom>
+          <a:noFill/>
+          <a:ln w="28575">
+            <a:solidFill>
+              <a:schemeClr val="tx1"/>
+            </a:solidFill>
+          </a:ln>
+        </p:spPr>
+        <p:style>
+          <a:lnRef idx="2">
+            <a:schemeClr val="accent1">
+              <a:shade val="50000"/>
+            </a:schemeClr>
+          </a:lnRef>
+          <a:fillRef idx="1">
+            <a:schemeClr val="accent1"/>
+          </a:fillRef>
+          <a:effectRef idx="0">
+            <a:schemeClr val="accent1"/>
+          </a:effectRef>
+          <a:fontRef idx="minor">
+            <a:schemeClr val="lt1"/>
+          </a:fontRef>
+        </p:style>
+        <p:txBody>
+          <a:bodyPr rtlCol="0" anchor="ctr"/>
+          <a:lstStyle/>
+          <a:p>
+            <a:pPr algn="ctr"/>
+            <a:endParaRPr lang="ko-KR" altLang="en-US"/>
+          </a:p>
+        </p:txBody>
+      </p:sp>
+      <mc:AlternateContent xmlns:mc="http://schemas.openxmlformats.org/markup-compatibility/2006">
+        <mc:Choice xmlns:a14="http://schemas.microsoft.com/office/drawing/2010/main" Requires="a14">
+          <p:sp>
+            <p:nvSpPr>
+              <p:cNvPr id="5" name="TextBox 4">
+                <a:extLst>
+                  <a:ext uri="{FF2B5EF4-FFF2-40B4-BE49-F238E27FC236}">
+                    <a16:creationId xmlns:a16="http://schemas.microsoft.com/office/drawing/2014/main" id="{B5907AA4-A328-477F-9810-25B3880E0449}"/>
+                  </a:ext>
+                </a:extLst>
+              </p:cNvPr>
+              <p:cNvSpPr txBox="1"/>
+              <p:nvPr/>
+            </p:nvSpPr>
+            <p:spPr>
+              <a:xfrm>
+                <a:off x="3545291" y="1561657"/>
+                <a:ext cx="396519" cy="369332"/>
+              </a:xfrm>
+              <a:prstGeom prst="rect">
+                <a:avLst/>
+              </a:prstGeom>
+              <a:noFill/>
+            </p:spPr>
+            <p:txBody>
+              <a:bodyPr wrap="none" rtlCol="0">
+                <a:spAutoFit/>
+              </a:bodyPr>
+              <a:lstStyle/>
+              <a:p>
+                <a:pPr/>
+                <a14:m>
+                  <m:oMathPara xmlns:m="http://schemas.openxmlformats.org/officeDocument/2006/math">
+                    <m:oMathParaPr>
+                      <m:jc m:val="centerGroup"/>
+                    </m:oMathParaPr>
+                    <m:oMath xmlns:m="http://schemas.openxmlformats.org/officeDocument/2006/math">
+                      <m:r>
+                        <a:rPr lang="en-US" altLang="ko-KR" b="0" i="1" smtClean="0">
+                          <a:latin typeface="Cambria Math" panose="02040503050406030204" pitchFamily="18" charset="0"/>
+                        </a:rPr>
+                        <m:t>𝑏</m:t>
+                      </m:r>
+                    </m:oMath>
+                  </m:oMathPara>
+                </a14:m>
+                <a:endParaRPr lang="ko-KR" altLang="en-US" dirty="0"/>
+              </a:p>
+            </p:txBody>
+          </p:sp>
+        </mc:Choice>
+        <mc:Fallback>
+          <p:sp>
+            <p:nvSpPr>
+              <p:cNvPr id="5" name="TextBox 4">
+                <a:extLst>
+                  <a:ext uri="{FF2B5EF4-FFF2-40B4-BE49-F238E27FC236}">
+                    <a16:creationId xmlns:a16="http://schemas.microsoft.com/office/drawing/2014/main" id="{B5907AA4-A328-477F-9810-25B3880E0449}"/>
+                  </a:ext>
+                </a:extLst>
+              </p:cNvPr>
+              <p:cNvSpPr txBox="1">
+                <a:spLocks noRot="1" noChangeAspect="1" noMove="1" noResize="1" noEditPoints="1" noAdjustHandles="1" noChangeArrowheads="1" noChangeShapeType="1" noTextEdit="1"/>
+              </p:cNvSpPr>
+              <p:nvPr/>
+            </p:nvSpPr>
+            <p:spPr>
+              <a:xfrm>
+                <a:off x="3545291" y="1561657"/>
+                <a:ext cx="396519" cy="369332"/>
+              </a:xfrm>
+              <a:prstGeom prst="rect">
+                <a:avLst/>
+              </a:prstGeom>
+              <a:blipFill>
+                <a:blip r:embed="rId2"/>
+                <a:stretch>
+                  <a:fillRect/>
+                </a:stretch>
+              </a:blipFill>
+            </p:spPr>
+            <p:txBody>
+              <a:bodyPr/>
+              <a:lstStyle/>
+              <a:p>
+                <a:r>
+                  <a:rPr lang="ko-KR" altLang="en-US">
+                    <a:noFill/>
+                  </a:rPr>
+                  <a:t> </a:t>
+                </a:r>
+              </a:p>
+            </p:txBody>
+          </p:sp>
+        </mc:Fallback>
+      </mc:AlternateContent>
+      <p:sp>
+        <p:nvSpPr>
+          <p:cNvPr id="6" name="타원 5">
+            <a:extLst>
+              <a:ext uri="{FF2B5EF4-FFF2-40B4-BE49-F238E27FC236}">
+                <a16:creationId xmlns:a16="http://schemas.microsoft.com/office/drawing/2014/main" id="{A307394F-0AB4-473E-BE45-744BB60C0E11}"/>
+              </a:ext>
+            </a:extLst>
+          </p:cNvPr>
+          <p:cNvSpPr/>
+          <p:nvPr/>
+        </p:nvSpPr>
+        <p:spPr>
+          <a:xfrm>
+            <a:off x="3450865" y="2675466"/>
+            <a:ext cx="628153" cy="628153"/>
+          </a:xfrm>
+          <a:prstGeom prst="ellipse">
+            <a:avLst/>
+          </a:prstGeom>
+          <a:noFill/>
+          <a:ln w="28575">
+            <a:solidFill>
+              <a:schemeClr val="tx1"/>
+            </a:solidFill>
+          </a:ln>
+        </p:spPr>
+        <p:style>
+          <a:lnRef idx="2">
+            <a:schemeClr val="accent1">
+              <a:shade val="50000"/>
+            </a:schemeClr>
+          </a:lnRef>
+          <a:fillRef idx="1">
+            <a:schemeClr val="accent1"/>
+          </a:fillRef>
+          <a:effectRef idx="0">
+            <a:schemeClr val="accent1"/>
+          </a:effectRef>
+          <a:fontRef idx="minor">
+            <a:schemeClr val="lt1"/>
+          </a:fontRef>
+        </p:style>
+        <p:txBody>
+          <a:bodyPr rtlCol="0" anchor="ctr"/>
+          <a:lstStyle/>
+          <a:p>
+            <a:pPr algn="ctr"/>
+            <a:endParaRPr lang="ko-KR" altLang="en-US"/>
+          </a:p>
+        </p:txBody>
+      </p:sp>
+      <p:sp>
+        <p:nvSpPr>
+          <p:cNvPr id="8" name="타원 7">
+            <a:extLst>
+              <a:ext uri="{FF2B5EF4-FFF2-40B4-BE49-F238E27FC236}">
+                <a16:creationId xmlns:a16="http://schemas.microsoft.com/office/drawing/2014/main" id="{23FEBDEB-0751-47AC-98E8-0E8954B60DE8}"/>
+              </a:ext>
+            </a:extLst>
+          </p:cNvPr>
+          <p:cNvSpPr/>
+          <p:nvPr/>
+        </p:nvSpPr>
+        <p:spPr>
+          <a:xfrm>
+            <a:off x="3450865" y="3844476"/>
+            <a:ext cx="628153" cy="628153"/>
+          </a:xfrm>
+          <a:prstGeom prst="ellipse">
+            <a:avLst/>
+          </a:prstGeom>
+          <a:noFill/>
+          <a:ln w="28575">
+            <a:solidFill>
+              <a:schemeClr val="tx1"/>
+            </a:solidFill>
+          </a:ln>
+        </p:spPr>
+        <p:style>
+          <a:lnRef idx="2">
+            <a:schemeClr val="accent1">
+              <a:shade val="50000"/>
+            </a:schemeClr>
+          </a:lnRef>
+          <a:fillRef idx="1">
+            <a:schemeClr val="accent1"/>
+          </a:fillRef>
+          <a:effectRef idx="0">
+            <a:schemeClr val="accent1"/>
+          </a:effectRef>
+          <a:fontRef idx="minor">
+            <a:schemeClr val="lt1"/>
+          </a:fontRef>
+        </p:style>
+        <p:txBody>
+          <a:bodyPr rtlCol="0" anchor="ctr"/>
+          <a:lstStyle/>
+          <a:p>
+            <a:pPr algn="ctr"/>
+            <a:endParaRPr lang="ko-KR" altLang="en-US"/>
+          </a:p>
+        </p:txBody>
+      </p:sp>
+      <mc:AlternateContent xmlns:mc="http://schemas.openxmlformats.org/markup-compatibility/2006" xmlns:a14="http://schemas.microsoft.com/office/drawing/2010/main">
+        <mc:Choice Requires="a14">
+          <p:sp>
+            <p:nvSpPr>
+              <p:cNvPr id="15" name="타원 14">
+                <a:extLst>
+                  <a:ext uri="{FF2B5EF4-FFF2-40B4-BE49-F238E27FC236}">
+                    <a16:creationId xmlns:a16="http://schemas.microsoft.com/office/drawing/2014/main" id="{2B77F182-D9CD-4C6B-8D1D-15AB42E1497A}"/>
+                  </a:ext>
+                </a:extLst>
+              </p:cNvPr>
+              <p:cNvSpPr/>
+              <p:nvPr/>
+            </p:nvSpPr>
+            <p:spPr>
+              <a:xfrm>
+                <a:off x="5876013" y="3254734"/>
+                <a:ext cx="628153" cy="628153"/>
+              </a:xfrm>
+              <a:prstGeom prst="ellipse">
+                <a:avLst/>
+              </a:prstGeom>
+              <a:noFill/>
+              <a:ln w="28575">
+                <a:solidFill>
+                  <a:schemeClr val="tx1"/>
+                </a:solidFill>
+              </a:ln>
+            </p:spPr>
+            <p:style>
+              <a:lnRef idx="2">
+                <a:schemeClr val="accent1">
+                  <a:shade val="50000"/>
+                </a:schemeClr>
+              </a:lnRef>
+              <a:fillRef idx="1">
+                <a:schemeClr val="accent1"/>
+              </a:fillRef>
+              <a:effectRef idx="0">
+                <a:schemeClr val="accent1"/>
+              </a:effectRef>
+              <a:fontRef idx="minor">
+                <a:schemeClr val="lt1"/>
+              </a:fontRef>
+            </p:style>
+            <p:txBody>
+              <a:bodyPr rtlCol="0" anchor="ctr"/>
+              <a:lstStyle/>
+              <a:p>
+                <a:pPr algn="ctr"/>
+                <a14:m>
+                  <m:oMathPara xmlns:m="http://schemas.openxmlformats.org/officeDocument/2006/math">
+                    <m:oMathParaPr>
+                      <m:jc m:val="center"/>
+                    </m:oMathParaPr>
+                    <m:oMath xmlns:m="http://schemas.openxmlformats.org/officeDocument/2006/math">
+                      <m:r>
+                        <a:rPr lang="en-US" altLang="ko-KR" b="0" i="1" smtClean="0">
+                          <a:solidFill>
+                            <a:schemeClr val="tx1"/>
+                          </a:solidFill>
+                          <a:latin typeface="Cambria Math" panose="02040503050406030204" pitchFamily="18" charset="0"/>
+                        </a:rPr>
+                        <m:t> ∑</m:t>
+                      </m:r>
+                    </m:oMath>
+                  </m:oMathPara>
+                </a14:m>
+                <a:endParaRPr lang="ko-KR" altLang="en-US" i="1" dirty="0">
+                  <a:solidFill>
+                    <a:schemeClr val="tx1"/>
+                  </a:solidFill>
+                </a:endParaRPr>
+              </a:p>
+            </p:txBody>
+          </p:sp>
+        </mc:Choice>
+        <mc:Fallback xmlns="">
+          <p:sp>
+            <p:nvSpPr>
+              <p:cNvPr id="15" name="타원 14">
+                <a:extLst>
+                  <a:ext uri="{FF2B5EF4-FFF2-40B4-BE49-F238E27FC236}">
+                    <a16:creationId xmlns:a16="http://schemas.microsoft.com/office/drawing/2014/main" id="{2B77F182-D9CD-4C6B-8D1D-15AB42E1497A}"/>
+                  </a:ext>
+                </a:extLst>
+              </p:cNvPr>
+              <p:cNvSpPr>
+                <a:spLocks noRot="1" noChangeAspect="1" noMove="1" noResize="1" noEditPoints="1" noAdjustHandles="1" noChangeArrowheads="1" noChangeShapeType="1" noTextEdit="1"/>
+              </p:cNvSpPr>
+              <p:nvPr/>
+            </p:nvSpPr>
+            <p:spPr>
+              <a:xfrm>
+                <a:off x="5876013" y="3254734"/>
+                <a:ext cx="628153" cy="628153"/>
+              </a:xfrm>
+              <a:prstGeom prst="ellipse">
+                <a:avLst/>
+              </a:prstGeom>
+              <a:blipFill>
+                <a:blip r:embed="rId3"/>
+                <a:stretch>
+                  <a:fillRect/>
+                </a:stretch>
+              </a:blipFill>
+              <a:ln w="28575">
+                <a:solidFill>
+                  <a:schemeClr val="tx1"/>
+                </a:solidFill>
+              </a:ln>
+            </p:spPr>
+            <p:txBody>
+              <a:bodyPr/>
+              <a:lstStyle/>
+              <a:p>
+                <a:r>
+                  <a:rPr lang="ko-KR" altLang="en-US">
+                    <a:noFill/>
+                  </a:rPr>
+                  <a:t> </a:t>
+                </a:r>
+              </a:p>
+            </p:txBody>
+          </p:sp>
+        </mc:Fallback>
+      </mc:AlternateContent>
+      <p:cxnSp>
+        <p:nvCxnSpPr>
+          <p:cNvPr id="18" name="직선 화살표 연결선 17">
+            <a:extLst>
+              <a:ext uri="{FF2B5EF4-FFF2-40B4-BE49-F238E27FC236}">
+                <a16:creationId xmlns:a16="http://schemas.microsoft.com/office/drawing/2014/main" id="{7A2E3832-85D6-4D71-B345-8B9E1E3D9437}"/>
+              </a:ext>
+            </a:extLst>
+          </p:cNvPr>
+          <p:cNvCxnSpPr>
+            <a:cxnSpLocks/>
+            <a:stCxn id="4" idx="6"/>
+            <a:endCxn id="15" idx="2"/>
+          </p:cNvCxnSpPr>
+          <p:nvPr/>
+        </p:nvCxnSpPr>
+        <p:spPr>
+          <a:xfrm>
+            <a:off x="4079018" y="1785069"/>
+            <a:ext cx="1796995" cy="1783742"/>
+          </a:xfrm>
+          <a:prstGeom prst="straightConnector1">
+            <a:avLst/>
+          </a:prstGeom>
+          <a:ln w="28575">
+            <a:solidFill>
+              <a:schemeClr val="tx1"/>
+            </a:solidFill>
+            <a:tailEnd type="triangle"/>
+          </a:ln>
+        </p:spPr>
+        <p:style>
+          <a:lnRef idx="1">
+            <a:schemeClr val="accent1"/>
+          </a:lnRef>
+          <a:fillRef idx="0">
+            <a:schemeClr val="accent1"/>
+          </a:fillRef>
+          <a:effectRef idx="0">
+            <a:schemeClr val="accent1"/>
+          </a:effectRef>
+          <a:fontRef idx="minor">
+            <a:schemeClr val="tx1"/>
+          </a:fontRef>
+        </p:style>
+      </p:cxnSp>
+      <p:cxnSp>
+        <p:nvCxnSpPr>
+          <p:cNvPr id="19" name="직선 화살표 연결선 18">
+            <a:extLst>
+              <a:ext uri="{FF2B5EF4-FFF2-40B4-BE49-F238E27FC236}">
+                <a16:creationId xmlns:a16="http://schemas.microsoft.com/office/drawing/2014/main" id="{67149E83-E0F1-4629-864D-DE203B182D0C}"/>
+              </a:ext>
+            </a:extLst>
+          </p:cNvPr>
+          <p:cNvCxnSpPr/>
+          <p:nvPr/>
+        </p:nvCxnSpPr>
+        <p:spPr>
+          <a:xfrm>
+            <a:off x="4079018" y="2989542"/>
+            <a:ext cx="1796995" cy="891871"/>
+          </a:xfrm>
+          <a:prstGeom prst="straightConnector1">
+            <a:avLst/>
+          </a:prstGeom>
+          <a:ln w="28575">
+            <a:solidFill>
+              <a:schemeClr val="tx1"/>
+            </a:solidFill>
+            <a:tailEnd type="triangle"/>
+          </a:ln>
+        </p:spPr>
+        <p:style>
+          <a:lnRef idx="1">
+            <a:schemeClr val="accent1"/>
+          </a:lnRef>
+          <a:fillRef idx="0">
+            <a:schemeClr val="accent1"/>
+          </a:fillRef>
+          <a:effectRef idx="0">
+            <a:schemeClr val="accent1"/>
+          </a:effectRef>
+          <a:fontRef idx="minor">
+            <a:schemeClr val="tx1"/>
+          </a:fontRef>
+        </p:style>
+      </p:cxnSp>
+      <p:cxnSp>
+        <p:nvCxnSpPr>
+          <p:cNvPr id="24" name="직선 화살표 연결선 23">
+            <a:extLst>
+              <a:ext uri="{FF2B5EF4-FFF2-40B4-BE49-F238E27FC236}">
+                <a16:creationId xmlns:a16="http://schemas.microsoft.com/office/drawing/2014/main" id="{6290FE7B-92EC-43A2-9AEB-6152B5E4887A}"/>
+              </a:ext>
+            </a:extLst>
+          </p:cNvPr>
+          <p:cNvCxnSpPr>
+            <a:cxnSpLocks/>
+          </p:cNvCxnSpPr>
+          <p:nvPr/>
+        </p:nvCxnSpPr>
+        <p:spPr>
+          <a:xfrm>
+            <a:off x="4079018" y="4158552"/>
+            <a:ext cx="1796995" cy="0"/>
+          </a:xfrm>
+          <a:prstGeom prst="straightConnector1">
+            <a:avLst/>
+          </a:prstGeom>
+          <a:ln w="28575">
+            <a:solidFill>
+              <a:schemeClr val="tx1"/>
+            </a:solidFill>
+            <a:tailEnd type="triangle"/>
+          </a:ln>
+        </p:spPr>
+        <p:style>
+          <a:lnRef idx="1">
+            <a:schemeClr val="accent1"/>
+          </a:lnRef>
+          <a:fillRef idx="0">
+            <a:schemeClr val="accent1"/>
+          </a:fillRef>
+          <a:effectRef idx="0">
+            <a:schemeClr val="accent1"/>
+          </a:effectRef>
+          <a:fontRef idx="minor">
+            <a:schemeClr val="tx1"/>
+          </a:fontRef>
+        </p:style>
+      </p:cxnSp>
+      <p:sp>
+        <p:nvSpPr>
+          <p:cNvPr id="33" name="타원 32">
+            <a:extLst>
+              <a:ext uri="{FF2B5EF4-FFF2-40B4-BE49-F238E27FC236}">
+                <a16:creationId xmlns:a16="http://schemas.microsoft.com/office/drawing/2014/main" id="{EF653A3A-CE4A-4827-B51C-E17260604430}"/>
+              </a:ext>
+            </a:extLst>
+          </p:cNvPr>
+          <p:cNvSpPr/>
+          <p:nvPr/>
+        </p:nvSpPr>
+        <p:spPr>
+          <a:xfrm>
+            <a:off x="8301161" y="3254734"/>
+            <a:ext cx="628153" cy="628153"/>
+          </a:xfrm>
+          <a:prstGeom prst="ellipse">
+            <a:avLst/>
+          </a:prstGeom>
+          <a:noFill/>
+          <a:ln w="28575">
+            <a:solidFill>
+              <a:schemeClr val="tx1"/>
+            </a:solidFill>
+          </a:ln>
+        </p:spPr>
+        <p:style>
+          <a:lnRef idx="2">
+            <a:schemeClr val="accent1">
+              <a:shade val="50000"/>
+            </a:schemeClr>
+          </a:lnRef>
+          <a:fillRef idx="1">
+            <a:schemeClr val="accent1"/>
+          </a:fillRef>
+          <a:effectRef idx="0">
+            <a:schemeClr val="accent1"/>
+          </a:effectRef>
+          <a:fontRef idx="minor">
+            <a:schemeClr val="lt1"/>
+          </a:fontRef>
+        </p:style>
+        <p:txBody>
+          <a:bodyPr rtlCol="0" anchor="ctr"/>
+          <a:lstStyle/>
+          <a:p>
+            <a:pPr algn="ctr"/>
+            <a:endParaRPr lang="ko-KR" altLang="en-US"/>
+          </a:p>
+        </p:txBody>
+      </p:sp>
+      <p:cxnSp>
+        <p:nvCxnSpPr>
+          <p:cNvPr id="35" name="직선 화살표 연결선 34">
+            <a:extLst>
+              <a:ext uri="{FF2B5EF4-FFF2-40B4-BE49-F238E27FC236}">
+                <a16:creationId xmlns:a16="http://schemas.microsoft.com/office/drawing/2014/main" id="{5B3A7A04-1D30-4ACD-B0A7-D9B14F3EDC16}"/>
+              </a:ext>
+            </a:extLst>
+          </p:cNvPr>
+          <p:cNvCxnSpPr>
+            <a:cxnSpLocks/>
+            <a:endCxn id="33" idx="2"/>
+          </p:cNvCxnSpPr>
+          <p:nvPr/>
+        </p:nvCxnSpPr>
+        <p:spPr>
+          <a:xfrm>
+            <a:off x="6504166" y="3568811"/>
+            <a:ext cx="1796995" cy="0"/>
+          </a:xfrm>
+          <a:prstGeom prst="straightConnector1">
+            <a:avLst/>
+          </a:prstGeom>
+          <a:ln w="28575">
+            <a:solidFill>
+              <a:schemeClr val="tx1"/>
+            </a:solidFill>
+            <a:tailEnd type="triangle"/>
+          </a:ln>
+        </p:spPr>
+        <p:style>
+          <a:lnRef idx="1">
+            <a:schemeClr val="accent1"/>
+          </a:lnRef>
+          <a:fillRef idx="0">
+            <a:schemeClr val="accent1"/>
+          </a:fillRef>
+          <a:effectRef idx="0">
+            <a:schemeClr val="accent1"/>
+          </a:effectRef>
+          <a:fontRef idx="minor">
+            <a:schemeClr val="tx1"/>
+          </a:fontRef>
+        </p:style>
+      </p:cxnSp>
+      <mc:AlternateContent xmlns:mc="http://schemas.openxmlformats.org/markup-compatibility/2006" xmlns:a14="http://schemas.microsoft.com/office/drawing/2010/main">
+        <mc:Choice Requires="a14">
+          <p:sp>
+            <p:nvSpPr>
+              <p:cNvPr id="37" name="TextBox 36">
+                <a:extLst>
+                  <a:ext uri="{FF2B5EF4-FFF2-40B4-BE49-F238E27FC236}">
+                    <a16:creationId xmlns:a16="http://schemas.microsoft.com/office/drawing/2014/main" id="{A98B1049-88E5-4D18-8835-788402BD60A9}"/>
+                  </a:ext>
+                </a:extLst>
+              </p:cNvPr>
+              <p:cNvSpPr txBox="1"/>
+              <p:nvPr/>
+            </p:nvSpPr>
+            <p:spPr>
+              <a:xfrm>
+                <a:off x="8929314" y="3384144"/>
+                <a:ext cx="400238" cy="369332"/>
+              </a:xfrm>
+              <a:prstGeom prst="rect">
+                <a:avLst/>
+              </a:prstGeom>
+              <a:noFill/>
+            </p:spPr>
+            <p:txBody>
+              <a:bodyPr wrap="none" rtlCol="0">
+                <a:spAutoFit/>
+              </a:bodyPr>
+              <a:lstStyle/>
+              <a:p>
+                <a:pPr/>
+                <a14:m>
+                  <m:oMathPara xmlns:m="http://schemas.openxmlformats.org/officeDocument/2006/math">
+                    <m:oMathParaPr>
+                      <m:jc m:val="centerGroup"/>
+                    </m:oMathParaPr>
+                    <m:oMath xmlns:m="http://schemas.openxmlformats.org/officeDocument/2006/math">
+                      <m:acc>
+                        <m:accPr>
+                          <m:chr m:val="̂"/>
+                          <m:ctrlPr>
+                            <a:rPr lang="en-US" altLang="ko-KR" b="0" i="1" smtClean="0">
+                              <a:latin typeface="Cambria Math" panose="02040503050406030204" pitchFamily="18" charset="0"/>
+                            </a:rPr>
+                          </m:ctrlPr>
+                        </m:accPr>
+                        <m:e>
+                          <m:r>
+                            <a:rPr lang="en-US" altLang="ko-KR" b="0" i="1" smtClean="0">
+                              <a:latin typeface="Cambria Math" panose="02040503050406030204" pitchFamily="18" charset="0"/>
+                            </a:rPr>
+                            <m:t>𝑦</m:t>
+                          </m:r>
+                        </m:e>
+                      </m:acc>
+                    </m:oMath>
+                  </m:oMathPara>
+                </a14:m>
+                <a:endParaRPr lang="ko-KR" altLang="en-US" dirty="0"/>
+              </a:p>
+            </p:txBody>
+          </p:sp>
+        </mc:Choice>
+        <mc:Fallback xmlns="">
+          <p:sp>
+            <p:nvSpPr>
+              <p:cNvPr id="37" name="TextBox 36">
+                <a:extLst>
+                  <a:ext uri="{FF2B5EF4-FFF2-40B4-BE49-F238E27FC236}">
+                    <a16:creationId xmlns:a16="http://schemas.microsoft.com/office/drawing/2014/main" id="{A98B1049-88E5-4D18-8835-788402BD60A9}"/>
+                  </a:ext>
+                </a:extLst>
+              </p:cNvPr>
+              <p:cNvSpPr txBox="1">
+                <a:spLocks noRot="1" noChangeAspect="1" noMove="1" noResize="1" noEditPoints="1" noAdjustHandles="1" noChangeArrowheads="1" noChangeShapeType="1" noTextEdit="1"/>
+              </p:cNvSpPr>
+              <p:nvPr/>
+            </p:nvSpPr>
+            <p:spPr>
+              <a:xfrm>
+                <a:off x="8929314" y="3384144"/>
+                <a:ext cx="400238" cy="369332"/>
+              </a:xfrm>
+              <a:prstGeom prst="rect">
+                <a:avLst/>
+              </a:prstGeom>
+              <a:blipFill>
+                <a:blip r:embed="rId4"/>
+                <a:stretch>
+                  <a:fillRect t="-3279" r="-18462" b="-9836"/>
+                </a:stretch>
+              </a:blipFill>
+            </p:spPr>
+            <p:txBody>
+              <a:bodyPr/>
+              <a:lstStyle/>
+              <a:p>
+                <a:r>
+                  <a:rPr lang="ko-KR" altLang="en-US">
+                    <a:noFill/>
+                  </a:rPr>
+                  <a:t> </a:t>
+                </a:r>
+              </a:p>
+            </p:txBody>
+          </p:sp>
+        </mc:Fallback>
+      </mc:AlternateContent>
+      <mc:AlternateContent xmlns:mc="http://schemas.openxmlformats.org/markup-compatibility/2006">
+        <mc:Choice xmlns:a14="http://schemas.microsoft.com/office/drawing/2010/main" Requires="a14">
+          <p:sp>
+            <p:nvSpPr>
+              <p:cNvPr id="38" name="TextBox 37">
+                <a:extLst>
+                  <a:ext uri="{FF2B5EF4-FFF2-40B4-BE49-F238E27FC236}">
+                    <a16:creationId xmlns:a16="http://schemas.microsoft.com/office/drawing/2014/main" id="{9D2BCEFD-93EB-42E0-86C1-E44169C8C5F7}"/>
+                  </a:ext>
+                </a:extLst>
+              </p:cNvPr>
+              <p:cNvSpPr txBox="1"/>
+              <p:nvPr/>
+            </p:nvSpPr>
+            <p:spPr>
+              <a:xfrm>
+                <a:off x="3545290" y="2766131"/>
+                <a:ext cx="494944" cy="369332"/>
+              </a:xfrm>
+              <a:prstGeom prst="rect">
+                <a:avLst/>
+              </a:prstGeom>
+              <a:noFill/>
+            </p:spPr>
+            <p:txBody>
+              <a:bodyPr wrap="none" rtlCol="0">
+                <a:spAutoFit/>
+              </a:bodyPr>
+              <a:lstStyle/>
+              <a:p>
+                <a:pPr/>
+                <a14:m>
+                  <m:oMathPara xmlns:m="http://schemas.openxmlformats.org/officeDocument/2006/math">
+                    <m:oMathParaPr>
+                      <m:jc m:val="centerGroup"/>
+                    </m:oMathParaPr>
+                    <m:oMath xmlns:m="http://schemas.openxmlformats.org/officeDocument/2006/math">
+                      <m:sSub>
+                        <m:sSubPr>
+                          <m:ctrlPr>
+                            <a:rPr lang="en-US" altLang="ko-KR" b="0" i="1" smtClean="0">
+                              <a:latin typeface="Cambria Math" panose="02040503050406030204" pitchFamily="18" charset="0"/>
+                            </a:rPr>
+                          </m:ctrlPr>
+                        </m:sSubPr>
+                        <m:e>
+                          <m:r>
+                            <a:rPr lang="en-US" altLang="ko-KR" b="0" i="1" smtClean="0">
+                              <a:latin typeface="Cambria Math" panose="02040503050406030204" pitchFamily="18" charset="0"/>
+                            </a:rPr>
+                            <m:t>𝑥</m:t>
+                          </m:r>
+                        </m:e>
+                        <m:sub>
+                          <m:r>
+                            <a:rPr lang="en-US" altLang="ko-KR" b="0" i="1" smtClean="0">
+                              <a:latin typeface="Cambria Math" panose="02040503050406030204" pitchFamily="18" charset="0"/>
+                            </a:rPr>
+                            <m:t>1</m:t>
+                          </m:r>
+                        </m:sub>
+                      </m:sSub>
+                    </m:oMath>
+                  </m:oMathPara>
+                </a14:m>
+                <a:endParaRPr lang="ko-KR" altLang="en-US" dirty="0"/>
+              </a:p>
+            </p:txBody>
+          </p:sp>
+        </mc:Choice>
+        <mc:Fallback>
+          <p:sp>
+            <p:nvSpPr>
+              <p:cNvPr id="38" name="TextBox 37">
+                <a:extLst>
+                  <a:ext uri="{FF2B5EF4-FFF2-40B4-BE49-F238E27FC236}">
+                    <a16:creationId xmlns:a16="http://schemas.microsoft.com/office/drawing/2014/main" id="{9D2BCEFD-93EB-42E0-86C1-E44169C8C5F7}"/>
+                  </a:ext>
+                </a:extLst>
+              </p:cNvPr>
+              <p:cNvSpPr txBox="1">
+                <a:spLocks noRot="1" noChangeAspect="1" noMove="1" noResize="1" noEditPoints="1" noAdjustHandles="1" noChangeArrowheads="1" noChangeShapeType="1" noTextEdit="1"/>
+              </p:cNvSpPr>
+              <p:nvPr/>
+            </p:nvSpPr>
+            <p:spPr>
+              <a:xfrm>
+                <a:off x="3545290" y="2766131"/>
+                <a:ext cx="494944" cy="369332"/>
+              </a:xfrm>
+              <a:prstGeom prst="rect">
+                <a:avLst/>
+              </a:prstGeom>
+              <a:blipFill>
+                <a:blip r:embed="rId5"/>
+                <a:stretch>
+                  <a:fillRect b="-3333"/>
+                </a:stretch>
+              </a:blipFill>
+            </p:spPr>
+            <p:txBody>
+              <a:bodyPr/>
+              <a:lstStyle/>
+              <a:p>
+                <a:r>
+                  <a:rPr lang="ko-KR" altLang="en-US">
+                    <a:noFill/>
+                  </a:rPr>
+                  <a:t> </a:t>
+                </a:r>
+              </a:p>
+            </p:txBody>
+          </p:sp>
+        </mc:Fallback>
+      </mc:AlternateContent>
+      <mc:AlternateContent xmlns:mc="http://schemas.openxmlformats.org/markup-compatibility/2006">
+        <mc:Choice xmlns:a14="http://schemas.microsoft.com/office/drawing/2010/main" Requires="a14">
+          <p:sp>
+            <p:nvSpPr>
+              <p:cNvPr id="39" name="TextBox 38">
+                <a:extLst>
+                  <a:ext uri="{FF2B5EF4-FFF2-40B4-BE49-F238E27FC236}">
+                    <a16:creationId xmlns:a16="http://schemas.microsoft.com/office/drawing/2014/main" id="{DD54F50A-4F02-4FF0-BE98-D15D8B687214}"/>
+                  </a:ext>
+                </a:extLst>
+              </p:cNvPr>
+              <p:cNvSpPr txBox="1"/>
+              <p:nvPr/>
+            </p:nvSpPr>
+            <p:spPr>
+              <a:xfrm>
+                <a:off x="3545289" y="3935141"/>
+                <a:ext cx="494943" cy="369332"/>
+              </a:xfrm>
+              <a:prstGeom prst="rect">
+                <a:avLst/>
+              </a:prstGeom>
+              <a:noFill/>
+            </p:spPr>
+            <p:txBody>
+              <a:bodyPr wrap="none" rtlCol="0">
+                <a:spAutoFit/>
+              </a:bodyPr>
+              <a:lstStyle/>
+              <a:p>
+                <a:pPr/>
+                <a14:m>
+                  <m:oMathPara xmlns:m="http://schemas.openxmlformats.org/officeDocument/2006/math">
+                    <m:oMathParaPr>
+                      <m:jc m:val="centerGroup"/>
+                    </m:oMathParaPr>
+                    <m:oMath xmlns:m="http://schemas.openxmlformats.org/officeDocument/2006/math">
+                      <m:sSub>
+                        <m:sSubPr>
+                          <m:ctrlPr>
+                            <a:rPr lang="en-US" altLang="ko-KR" b="0" i="1" smtClean="0">
+                              <a:latin typeface="Cambria Math" panose="02040503050406030204" pitchFamily="18" charset="0"/>
+                            </a:rPr>
+                          </m:ctrlPr>
+                        </m:sSubPr>
+                        <m:e>
+                          <m:r>
+                            <a:rPr lang="en-US" altLang="ko-KR" b="0" i="1" smtClean="0">
+                              <a:latin typeface="Cambria Math" panose="02040503050406030204" pitchFamily="18" charset="0"/>
+                            </a:rPr>
+                            <m:t>𝑥</m:t>
+                          </m:r>
+                        </m:e>
+                        <m:sub>
+                          <m:r>
+                            <a:rPr lang="en-US" altLang="ko-KR" b="0" i="1" smtClean="0">
+                              <a:latin typeface="Cambria Math" panose="02040503050406030204" pitchFamily="18" charset="0"/>
+                            </a:rPr>
+                            <m:t>2</m:t>
+                          </m:r>
+                        </m:sub>
+                      </m:sSub>
+                    </m:oMath>
+                  </m:oMathPara>
+                </a14:m>
+                <a:endParaRPr lang="ko-KR" altLang="en-US" dirty="0"/>
+              </a:p>
+            </p:txBody>
+          </p:sp>
+        </mc:Choice>
+        <mc:Fallback>
+          <p:sp>
+            <p:nvSpPr>
+              <p:cNvPr id="39" name="TextBox 38">
+                <a:extLst>
+                  <a:ext uri="{FF2B5EF4-FFF2-40B4-BE49-F238E27FC236}">
+                    <a16:creationId xmlns:a16="http://schemas.microsoft.com/office/drawing/2014/main" id="{DD54F50A-4F02-4FF0-BE98-D15D8B687214}"/>
+                  </a:ext>
+                </a:extLst>
+              </p:cNvPr>
+              <p:cNvSpPr txBox="1">
+                <a:spLocks noRot="1" noChangeAspect="1" noMove="1" noResize="1" noEditPoints="1" noAdjustHandles="1" noChangeArrowheads="1" noChangeShapeType="1" noTextEdit="1"/>
+              </p:cNvSpPr>
+              <p:nvPr/>
+            </p:nvSpPr>
+            <p:spPr>
+              <a:xfrm>
+                <a:off x="3545289" y="3935141"/>
+                <a:ext cx="494943" cy="369332"/>
+              </a:xfrm>
+              <a:prstGeom prst="rect">
+                <a:avLst/>
+              </a:prstGeom>
+              <a:blipFill>
+                <a:blip r:embed="rId6"/>
+                <a:stretch>
+                  <a:fillRect b="-3333"/>
                 </a:stretch>
               </a:blipFill>
             </p:spPr>
@@ -5928,6 +7669,7 @@
               </a:bodyPr>
               <a:lstStyle/>
               <a:p>
+                <a:pPr/>
                 <a14:m>
                   <m:oMathPara xmlns:m="http://schemas.openxmlformats.org/officeDocument/2006/math">
                     <m:oMathParaPr>
@@ -5991,7 +7733,7 @@
                 <a:avLst/>
               </a:prstGeom>
               <a:blipFill>
-                <a:blip r:embed="rId8"/>
+                <a:blip r:embed="rId7"/>
                 <a:stretch>
                   <a:fillRect b="-1639"/>
                 </a:stretch>
@@ -6028,7 +7770,7 @@
             </p:nvSpPr>
             <p:spPr>
               <a:xfrm>
-                <a:off x="4374872" y="2555063"/>
+                <a:off x="4374872" y="2867666"/>
                 <a:ext cx="535981" cy="369332"/>
               </a:xfrm>
               <a:prstGeom prst="rect">
@@ -6042,6 +7784,7 @@
               </a:bodyPr>
               <a:lstStyle/>
               <a:p>
+                <a:pPr/>
                 <a14:m>
                   <m:oMathPara xmlns:m="http://schemas.openxmlformats.org/officeDocument/2006/math">
                     <m:oMathParaPr>
@@ -6098,14 +7841,14 @@
             </p:nvSpPr>
             <p:spPr>
               <a:xfrm>
-                <a:off x="4374872" y="2555063"/>
+                <a:off x="4374872" y="2867666"/>
                 <a:ext cx="535981" cy="369332"/>
               </a:xfrm>
               <a:prstGeom prst="rect">
                 <a:avLst/>
               </a:prstGeom>
               <a:blipFill>
-                <a:blip r:embed="rId9"/>
+                <a:blip r:embed="rId8"/>
                 <a:stretch>
                   <a:fillRect b="-1639"/>
                 </a:stretch>
@@ -6142,7 +7885,7 @@
             </p:nvSpPr>
             <p:spPr>
               <a:xfrm>
-                <a:off x="4374873" y="3171851"/>
+                <a:off x="4374873" y="3761593"/>
                 <a:ext cx="535981" cy="369332"/>
               </a:xfrm>
               <a:prstGeom prst="rect">
@@ -6156,6 +7899,7 @@
               </a:bodyPr>
               <a:lstStyle/>
               <a:p>
+                <a:pPr/>
                 <a14:m>
                   <m:oMathPara xmlns:m="http://schemas.openxmlformats.org/officeDocument/2006/math">
                     <m:oMathParaPr>
@@ -6212,14 +7956,14 @@
             </p:nvSpPr>
             <p:spPr>
               <a:xfrm>
-                <a:off x="4374873" y="3171851"/>
+                <a:off x="4374873" y="3761593"/>
                 <a:ext cx="535981" cy="369332"/>
               </a:xfrm>
               <a:prstGeom prst="rect">
                 <a:avLst/>
               </a:prstGeom>
               <a:blipFill>
-                <a:blip r:embed="rId10"/>
+                <a:blip r:embed="rId9"/>
                 <a:stretch>
                   <a:fillRect b="-1639"/>
                 </a:stretch>
@@ -6240,312 +7984,8 @@
           </p:sp>
         </mc:Fallback>
       </mc:AlternateContent>
-      <mc:AlternateContent xmlns:mc="http://schemas.openxmlformats.org/markup-compatibility/2006">
-        <mc:Choice xmlns:a14="http://schemas.microsoft.com/office/drawing/2010/main" Requires="a14">
-          <p:sp>
-            <p:nvSpPr>
-              <p:cNvPr id="44" name="TextBox 43">
-                <a:extLst>
-                  <a:ext uri="{FF2B5EF4-FFF2-40B4-BE49-F238E27FC236}">
-                    <a16:creationId xmlns:a16="http://schemas.microsoft.com/office/drawing/2014/main" id="{D741138C-D037-45C4-B473-BD9521094BD8}"/>
-                  </a:ext>
-                </a:extLst>
-              </p:cNvPr>
-              <p:cNvSpPr txBox="1"/>
-              <p:nvPr/>
-            </p:nvSpPr>
-            <p:spPr>
-              <a:xfrm>
-                <a:off x="4374872" y="4955593"/>
-                <a:ext cx="543097" cy="369332"/>
-              </a:xfrm>
-              <a:prstGeom prst="rect">
-                <a:avLst/>
-              </a:prstGeom>
-              <a:noFill/>
-            </p:spPr>
-            <p:txBody>
-              <a:bodyPr wrap="none" rtlCol="0">
-                <a:spAutoFit/>
-              </a:bodyPr>
-              <a:lstStyle/>
-              <a:p>
-                <a14:m>
-                  <m:oMathPara xmlns:m="http://schemas.openxmlformats.org/officeDocument/2006/math">
-                    <m:oMathParaPr>
-                      <m:jc m:val="centerGroup"/>
-                    </m:oMathParaPr>
-                    <m:oMath xmlns:m="http://schemas.openxmlformats.org/officeDocument/2006/math">
-                      <m:sSub>
-                        <m:sSubPr>
-                          <m:ctrlPr>
-                            <a:rPr lang="en-US" altLang="ko-KR" b="0" i="1" smtClean="0">
-                              <a:latin typeface="Cambria Math" panose="02040503050406030204" pitchFamily="18" charset="0"/>
-                            </a:rPr>
-                          </m:ctrlPr>
-                        </m:sSubPr>
-                        <m:e>
-                          <m:r>
-                            <a:rPr lang="en-US" altLang="ko-KR" b="0" i="1" smtClean="0">
-                              <a:latin typeface="Cambria Math" panose="02040503050406030204" pitchFamily="18" charset="0"/>
-                            </a:rPr>
-                            <m:t>𝑤</m:t>
-                          </m:r>
-                        </m:e>
-                        <m:sub>
-                          <m:r>
-                            <a:rPr lang="en-US" altLang="ko-KR" b="0" i="1" smtClean="0">
-                              <a:latin typeface="Cambria Math" panose="02040503050406030204" pitchFamily="18" charset="0"/>
-                            </a:rPr>
-                            <m:t>𝑛</m:t>
-                          </m:r>
-                        </m:sub>
-                      </m:sSub>
-                    </m:oMath>
-                  </m:oMathPara>
-                </a14:m>
-                <a:endParaRPr lang="ko-KR" altLang="en-US" dirty="0"/>
-              </a:p>
-            </p:txBody>
-          </p:sp>
-        </mc:Choice>
-        <mc:Fallback>
-          <p:sp>
-            <p:nvSpPr>
-              <p:cNvPr id="44" name="TextBox 43">
-                <a:extLst>
-                  <a:ext uri="{FF2B5EF4-FFF2-40B4-BE49-F238E27FC236}">
-                    <a16:creationId xmlns:a16="http://schemas.microsoft.com/office/drawing/2014/main" id="{D741138C-D037-45C4-B473-BD9521094BD8}"/>
-                  </a:ext>
-                </a:extLst>
-              </p:cNvPr>
-              <p:cNvSpPr txBox="1">
-                <a:spLocks noRot="1" noChangeAspect="1" noMove="1" noResize="1" noEditPoints="1" noAdjustHandles="1" noChangeArrowheads="1" noChangeShapeType="1" noTextEdit="1"/>
-              </p:cNvSpPr>
-              <p:nvPr/>
-            </p:nvSpPr>
-            <p:spPr>
-              <a:xfrm>
-                <a:off x="4374872" y="4955593"/>
-                <a:ext cx="543097" cy="369332"/>
-              </a:xfrm>
-              <a:prstGeom prst="rect">
-                <a:avLst/>
-              </a:prstGeom>
-              <a:blipFill>
-                <a:blip r:embed="rId11"/>
-                <a:stretch>
-                  <a:fillRect/>
-                </a:stretch>
-              </a:blipFill>
-            </p:spPr>
-            <p:txBody>
-              <a:bodyPr/>
-              <a:lstStyle/>
-              <a:p>
-                <a:r>
-                  <a:rPr lang="ko-KR" altLang="en-US">
-                    <a:noFill/>
-                  </a:rPr>
-                  <a:t> </a:t>
-                </a:r>
-              </a:p>
-            </p:txBody>
-          </p:sp>
-        </mc:Fallback>
-      </mc:AlternateContent>
-      <mc:AlternateContent xmlns:mc="http://schemas.openxmlformats.org/markup-compatibility/2006">
-        <mc:Choice xmlns:a14="http://schemas.microsoft.com/office/drawing/2010/main" Requires="a14">
-          <p:sp>
-            <p:nvSpPr>
-              <p:cNvPr id="45" name="TextBox 44">
-                <a:extLst>
-                  <a:ext uri="{FF2B5EF4-FFF2-40B4-BE49-F238E27FC236}">
-                    <a16:creationId xmlns:a16="http://schemas.microsoft.com/office/drawing/2014/main" id="{60BE059A-BA00-4784-9D35-786BA517EDAD}"/>
-                  </a:ext>
-                </a:extLst>
-              </p:cNvPr>
-              <p:cNvSpPr txBox="1"/>
-              <p:nvPr/>
-            </p:nvSpPr>
-            <p:spPr>
-              <a:xfrm>
-                <a:off x="6615484" y="5858324"/>
-                <a:ext cx="396519" cy="369332"/>
-              </a:xfrm>
-              <a:prstGeom prst="rect">
-                <a:avLst/>
-              </a:prstGeom>
-              <a:noFill/>
-            </p:spPr>
-            <p:txBody>
-              <a:bodyPr wrap="none" rtlCol="0">
-                <a:spAutoFit/>
-              </a:bodyPr>
-              <a:lstStyle/>
-              <a:p>
-                <a14:m>
-                  <m:oMathPara xmlns:m="http://schemas.openxmlformats.org/officeDocument/2006/math">
-                    <m:oMathParaPr>
-                      <m:jc m:val="centerGroup"/>
-                    </m:oMathParaPr>
-                    <m:oMath xmlns:m="http://schemas.openxmlformats.org/officeDocument/2006/math">
-                      <m:r>
-                        <a:rPr lang="en-US" altLang="ko-KR" b="0" i="1" smtClean="0">
-                          <a:latin typeface="Cambria Math" panose="02040503050406030204" pitchFamily="18" charset="0"/>
-                        </a:rPr>
-                        <m:t>𝑏</m:t>
-                      </m:r>
-                    </m:oMath>
-                  </m:oMathPara>
-                </a14:m>
-                <a:endParaRPr lang="ko-KR" altLang="en-US" dirty="0"/>
-              </a:p>
-            </p:txBody>
-          </p:sp>
-        </mc:Choice>
-        <mc:Fallback>
-          <p:sp>
-            <p:nvSpPr>
-              <p:cNvPr id="45" name="TextBox 44">
-                <a:extLst>
-                  <a:ext uri="{FF2B5EF4-FFF2-40B4-BE49-F238E27FC236}">
-                    <a16:creationId xmlns:a16="http://schemas.microsoft.com/office/drawing/2014/main" id="{60BE059A-BA00-4784-9D35-786BA517EDAD}"/>
-                  </a:ext>
-                </a:extLst>
-              </p:cNvPr>
-              <p:cNvSpPr txBox="1">
-                <a:spLocks noRot="1" noChangeAspect="1" noMove="1" noResize="1" noEditPoints="1" noAdjustHandles="1" noChangeArrowheads="1" noChangeShapeType="1" noTextEdit="1"/>
-              </p:cNvSpPr>
-              <p:nvPr/>
-            </p:nvSpPr>
-            <p:spPr>
-              <a:xfrm>
-                <a:off x="6615484" y="5858324"/>
-                <a:ext cx="396519" cy="369332"/>
-              </a:xfrm>
-              <a:prstGeom prst="rect">
-                <a:avLst/>
-              </a:prstGeom>
-              <a:blipFill>
-                <a:blip r:embed="rId12"/>
-                <a:stretch>
-                  <a:fillRect/>
-                </a:stretch>
-              </a:blipFill>
-            </p:spPr>
-            <p:txBody>
-              <a:bodyPr/>
-              <a:lstStyle/>
-              <a:p>
-                <a:r>
-                  <a:rPr lang="ko-KR" altLang="en-US">
-                    <a:noFill/>
-                  </a:rPr>
-                  <a:t> </a:t>
-                </a:r>
-              </a:p>
-            </p:txBody>
-          </p:sp>
-        </mc:Fallback>
-      </mc:AlternateContent>
-      <mc:AlternateContent xmlns:mc="http://schemas.openxmlformats.org/markup-compatibility/2006">
-        <mc:Choice xmlns:a14="http://schemas.microsoft.com/office/drawing/2010/main" Requires="a14">
-          <p:sp>
-            <p:nvSpPr>
-              <p:cNvPr id="46" name="TextBox 45">
-                <a:extLst>
-                  <a:ext uri="{FF2B5EF4-FFF2-40B4-BE49-F238E27FC236}">
-                    <a16:creationId xmlns:a16="http://schemas.microsoft.com/office/drawing/2014/main" id="{1ECCE3AA-DD17-4FA1-9CD9-C7336EEBB2EC}"/>
-                  </a:ext>
-                </a:extLst>
-              </p:cNvPr>
-              <p:cNvSpPr txBox="1"/>
-              <p:nvPr/>
-            </p:nvSpPr>
-            <p:spPr>
-              <a:xfrm>
-                <a:off x="6615484" y="4590092"/>
-                <a:ext cx="396519" cy="369332"/>
-              </a:xfrm>
-              <a:prstGeom prst="rect">
-                <a:avLst/>
-              </a:prstGeom>
-              <a:noFill/>
-            </p:spPr>
-            <p:txBody>
-              <a:bodyPr wrap="none" rtlCol="0">
-                <a:spAutoFit/>
-              </a:bodyPr>
-              <a:lstStyle/>
-              <a:p>
-                <a14:m>
-                  <m:oMathPara xmlns:m="http://schemas.openxmlformats.org/officeDocument/2006/math">
-                    <m:oMathParaPr>
-                      <m:jc m:val="centerGroup"/>
-                    </m:oMathParaPr>
-                    <m:oMath xmlns:m="http://schemas.openxmlformats.org/officeDocument/2006/math">
-                      <m:r>
-                        <a:rPr lang="en-US" altLang="ko-KR" b="0" i="1" smtClean="0">
-                          <a:latin typeface="Cambria Math" panose="02040503050406030204" pitchFamily="18" charset="0"/>
-                        </a:rPr>
-                        <m:t>1</m:t>
-                      </m:r>
-                    </m:oMath>
-                  </m:oMathPara>
-                </a14:m>
-                <a:endParaRPr lang="ko-KR" altLang="en-US" dirty="0"/>
-              </a:p>
-            </p:txBody>
-          </p:sp>
-        </mc:Choice>
-        <mc:Fallback>
-          <p:sp>
-            <p:nvSpPr>
-              <p:cNvPr id="46" name="TextBox 45">
-                <a:extLst>
-                  <a:ext uri="{FF2B5EF4-FFF2-40B4-BE49-F238E27FC236}">
-                    <a16:creationId xmlns:a16="http://schemas.microsoft.com/office/drawing/2014/main" id="{1ECCE3AA-DD17-4FA1-9CD9-C7336EEBB2EC}"/>
-                  </a:ext>
-                </a:extLst>
-              </p:cNvPr>
-              <p:cNvSpPr txBox="1">
-                <a:spLocks noRot="1" noChangeAspect="1" noMove="1" noResize="1" noEditPoints="1" noAdjustHandles="1" noChangeArrowheads="1" noChangeShapeType="1" noTextEdit="1"/>
-              </p:cNvSpPr>
-              <p:nvPr/>
-            </p:nvSpPr>
-            <p:spPr>
-              <a:xfrm>
-                <a:off x="6615484" y="4590092"/>
-                <a:ext cx="396519" cy="369332"/>
-              </a:xfrm>
-              <a:prstGeom prst="rect">
-                <a:avLst/>
-              </a:prstGeom>
-              <a:blipFill>
-                <a:blip r:embed="rId13"/>
-                <a:stretch>
-                  <a:fillRect/>
-                </a:stretch>
-              </a:blipFill>
-            </p:spPr>
-            <p:txBody>
-              <a:bodyPr/>
-              <a:lstStyle/>
-              <a:p>
-                <a:r>
-                  <a:rPr lang="ko-KR" altLang="en-US">
-                    <a:noFill/>
-                  </a:rPr>
-                  <a:t> </a:t>
-                </a:r>
-              </a:p>
-            </p:txBody>
-          </p:sp>
-        </mc:Fallback>
-      </mc:AlternateContent>
-      <mc:AlternateContent xmlns:mc="http://schemas.openxmlformats.org/markup-compatibility/2006">
-        <mc:Choice xmlns:a14="http://schemas.microsoft.com/office/drawing/2010/main" Requires="a14">
+      <mc:AlternateContent xmlns:mc="http://schemas.openxmlformats.org/markup-compatibility/2006" xmlns:a14="http://schemas.microsoft.com/office/drawing/2010/main">
+        <mc:Choice Requires="a14">
           <p:sp>
             <p:nvSpPr>
               <p:cNvPr id="47" name="TextBox 46">
@@ -6574,6 +8014,7 @@
               </a:bodyPr>
               <a:lstStyle/>
               <a:p>
+                <a:pPr/>
                 <a14:m>
                   <m:oMathPara xmlns:m="http://schemas.openxmlformats.org/officeDocument/2006/math">
                     <m:oMathParaPr>
@@ -6600,7 +8041,7 @@
             </p:txBody>
           </p:sp>
         </mc:Choice>
-        <mc:Fallback>
+        <mc:Fallback xmlns="">
           <p:sp>
             <p:nvSpPr>
               <p:cNvPr id="47" name="TextBox 46">
@@ -6648,7 +8089,7 @@
     </p:spTree>
     <p:extLst>
       <p:ext uri="{BB962C8B-B14F-4D97-AF65-F5344CB8AC3E}">
-        <p14:creationId xmlns:p14="http://schemas.microsoft.com/office/powerpoint/2010/main" val="2715189709"/>
+        <p14:creationId xmlns:p14="http://schemas.microsoft.com/office/powerpoint/2010/main" val="2455460562"/>
       </p:ext>
     </p:extLst>
   </p:cSld>
